--- a/ppt/3주차 발표_3조.pptx
+++ b/ppt/3주차 발표_3조.pptx
@@ -11,23 +11,25 @@
     <p:sldId id="265" r:id="rId5"/>
     <p:sldId id="276" r:id="rId6"/>
     <p:sldId id="275" r:id="rId7"/>
-    <p:sldId id="266" r:id="rId8"/>
-    <p:sldId id="278" r:id="rId9"/>
-    <p:sldId id="274" r:id="rId10"/>
-    <p:sldId id="271" r:id="rId11"/>
-    <p:sldId id="277" r:id="rId12"/>
+    <p:sldId id="280" r:id="rId8"/>
+    <p:sldId id="266" r:id="rId9"/>
+    <p:sldId id="278" r:id="rId10"/>
+    <p:sldId id="279" r:id="rId11"/>
+    <p:sldId id="274" r:id="rId12"/>
+    <p:sldId id="271" r:id="rId13"/>
+    <p:sldId id="277" r:id="rId14"/>
   </p:sldIdLst>
   <p:sldSz cx="12192000" cy="6858000"/>
   <p:notesSz cx="6858000" cy="9144000"/>
   <p:embeddedFontLst>
     <p:embeddedFont>
       <p:font typeface="210 콤퓨타세탁 L" panose="02020603020101020101" pitchFamily="18" charset="-127"/>
-      <p:regular r:id="rId13"/>
+      <p:regular r:id="rId15"/>
     </p:embeddedFont>
     <p:embeddedFont>
       <p:font typeface="맑은 고딕" panose="020B0503020000020004" pitchFamily="50" charset="-127"/>
-      <p:regular r:id="rId14"/>
-      <p:bold r:id="rId15"/>
+      <p:regular r:id="rId16"/>
+      <p:bold r:id="rId17"/>
     </p:embeddedFont>
   </p:embeddedFontLst>
   <p:defaultTextStyle>
@@ -3439,7 +3441,7 @@
           <a:p>
             <a:fld id="{D7DA7775-1B4C-4C00-899D-B495F350D141}" type="datetimeFigureOut">
               <a:rPr lang="ko-KR" altLang="en-US" smtClean="0"/>
-              <a:t>2018-04-02</a:t>
+              <a:t>2018-04-03</a:t>
             </a:fld>
             <a:endParaRPr lang="ko-KR" altLang="en-US"/>
           </a:p>
@@ -3609,7 +3611,7 @@
           <a:p>
             <a:fld id="{D7DA7775-1B4C-4C00-899D-B495F350D141}" type="datetimeFigureOut">
               <a:rPr lang="ko-KR" altLang="en-US" smtClean="0"/>
-              <a:t>2018-04-02</a:t>
+              <a:t>2018-04-03</a:t>
             </a:fld>
             <a:endParaRPr lang="ko-KR" altLang="en-US"/>
           </a:p>
@@ -3789,7 +3791,7 @@
           <a:p>
             <a:fld id="{D7DA7775-1B4C-4C00-899D-B495F350D141}" type="datetimeFigureOut">
               <a:rPr lang="ko-KR" altLang="en-US" smtClean="0"/>
-              <a:t>2018-04-02</a:t>
+              <a:t>2018-04-03</a:t>
             </a:fld>
             <a:endParaRPr lang="ko-KR" altLang="en-US"/>
           </a:p>
@@ -3959,7 +3961,7 @@
           <a:p>
             <a:fld id="{D7DA7775-1B4C-4C00-899D-B495F350D141}" type="datetimeFigureOut">
               <a:rPr lang="ko-KR" altLang="en-US" smtClean="0"/>
-              <a:t>2018-04-02</a:t>
+              <a:t>2018-04-03</a:t>
             </a:fld>
             <a:endParaRPr lang="ko-KR" altLang="en-US"/>
           </a:p>
@@ -4205,7 +4207,7 @@
           <a:p>
             <a:fld id="{D7DA7775-1B4C-4C00-899D-B495F350D141}" type="datetimeFigureOut">
               <a:rPr lang="ko-KR" altLang="en-US" smtClean="0"/>
-              <a:t>2018-04-02</a:t>
+              <a:t>2018-04-03</a:t>
             </a:fld>
             <a:endParaRPr lang="ko-KR" altLang="en-US"/>
           </a:p>
@@ -4437,7 +4439,7 @@
           <a:p>
             <a:fld id="{D7DA7775-1B4C-4C00-899D-B495F350D141}" type="datetimeFigureOut">
               <a:rPr lang="ko-KR" altLang="en-US" smtClean="0"/>
-              <a:t>2018-04-02</a:t>
+              <a:t>2018-04-03</a:t>
             </a:fld>
             <a:endParaRPr lang="ko-KR" altLang="en-US"/>
           </a:p>
@@ -4804,7 +4806,7 @@
           <a:p>
             <a:fld id="{D7DA7775-1B4C-4C00-899D-B495F350D141}" type="datetimeFigureOut">
               <a:rPr lang="ko-KR" altLang="en-US" smtClean="0"/>
-              <a:t>2018-04-02</a:t>
+              <a:t>2018-04-03</a:t>
             </a:fld>
             <a:endParaRPr lang="ko-KR" altLang="en-US"/>
           </a:p>
@@ -4922,7 +4924,7 @@
           <a:p>
             <a:fld id="{D7DA7775-1B4C-4C00-899D-B495F350D141}" type="datetimeFigureOut">
               <a:rPr lang="ko-KR" altLang="en-US" smtClean="0"/>
-              <a:t>2018-04-02</a:t>
+              <a:t>2018-04-03</a:t>
             </a:fld>
             <a:endParaRPr lang="ko-KR" altLang="en-US"/>
           </a:p>
@@ -5017,7 +5019,7 @@
           <a:p>
             <a:fld id="{D7DA7775-1B4C-4C00-899D-B495F350D141}" type="datetimeFigureOut">
               <a:rPr lang="ko-KR" altLang="en-US" smtClean="0"/>
-              <a:t>2018-04-02</a:t>
+              <a:t>2018-04-03</a:t>
             </a:fld>
             <a:endParaRPr lang="ko-KR" altLang="en-US"/>
           </a:p>
@@ -5294,7 +5296,7 @@
           <a:p>
             <a:fld id="{D7DA7775-1B4C-4C00-899D-B495F350D141}" type="datetimeFigureOut">
               <a:rPr lang="ko-KR" altLang="en-US" smtClean="0"/>
-              <a:t>2018-04-02</a:t>
+              <a:t>2018-04-03</a:t>
             </a:fld>
             <a:endParaRPr lang="ko-KR" altLang="en-US"/>
           </a:p>
@@ -5547,7 +5549,7 @@
           <a:p>
             <a:fld id="{D7DA7775-1B4C-4C00-899D-B495F350D141}" type="datetimeFigureOut">
               <a:rPr lang="ko-KR" altLang="en-US" smtClean="0"/>
-              <a:t>2018-04-02</a:t>
+              <a:t>2018-04-03</a:t>
             </a:fld>
             <a:endParaRPr lang="ko-KR" altLang="en-US"/>
           </a:p>
@@ -5760,7 +5762,7 @@
           <a:p>
             <a:fld id="{D7DA7775-1B4C-4C00-899D-B495F350D141}" type="datetimeFigureOut">
               <a:rPr lang="ko-KR" altLang="en-US" smtClean="0"/>
-              <a:t>2018-04-02</a:t>
+              <a:t>2018-04-03</a:t>
             </a:fld>
             <a:endParaRPr lang="ko-KR" altLang="en-US"/>
           </a:p>
@@ -8344,6 +8346,879 @@
       </p:grpSpPr>
       <p:sp>
         <p:nvSpPr>
+          <p:cNvPr id="4" name="사다리꼴 3"/>
+          <p:cNvSpPr/>
+          <p:nvPr/>
+        </p:nvSpPr>
+        <p:spPr>
+          <a:xfrm rot="10800000">
+            <a:off x="357351" y="0"/>
+            <a:ext cx="11424745" cy="105103"/>
+          </a:xfrm>
+          <a:prstGeom prst="trapezoid">
+            <a:avLst/>
+          </a:prstGeom>
+          <a:solidFill>
+            <a:srgbClr val="A4B1C4"/>
+          </a:solidFill>
+          <a:ln>
+            <a:noFill/>
+          </a:ln>
+        </p:spPr>
+        <p:style>
+          <a:lnRef idx="2">
+            <a:schemeClr val="accent1">
+              <a:shade val="50000"/>
+            </a:schemeClr>
+          </a:lnRef>
+          <a:fillRef idx="1">
+            <a:schemeClr val="accent1"/>
+          </a:fillRef>
+          <a:effectRef idx="0">
+            <a:schemeClr val="accent1"/>
+          </a:effectRef>
+          <a:fontRef idx="minor">
+            <a:schemeClr val="lt1"/>
+          </a:fontRef>
+        </p:style>
+        <p:txBody>
+          <a:bodyPr rtlCol="0" anchor="ctr"/>
+          <a:lstStyle/>
+          <a:p>
+            <a:pPr algn="ctr"/>
+            <a:endParaRPr lang="ko-KR" altLang="en-US">
+              <a:latin typeface="+mn-ea"/>
+            </a:endParaRPr>
+          </a:p>
+        </p:txBody>
+      </p:sp>
+      <p:sp>
+        <p:nvSpPr>
+          <p:cNvPr id="32" name="사다리꼴 31"/>
+          <p:cNvSpPr/>
+          <p:nvPr/>
+        </p:nvSpPr>
+        <p:spPr>
+          <a:xfrm rot="10800000" flipV="1">
+            <a:off x="357351" y="882938"/>
+            <a:ext cx="11424745" cy="105103"/>
+          </a:xfrm>
+          <a:prstGeom prst="trapezoid">
+            <a:avLst/>
+          </a:prstGeom>
+          <a:solidFill>
+            <a:srgbClr val="A4B1C4"/>
+          </a:solidFill>
+          <a:ln>
+            <a:noFill/>
+          </a:ln>
+        </p:spPr>
+        <p:style>
+          <a:lnRef idx="2">
+            <a:schemeClr val="accent1">
+              <a:shade val="50000"/>
+            </a:schemeClr>
+          </a:lnRef>
+          <a:fillRef idx="1">
+            <a:schemeClr val="accent1"/>
+          </a:fillRef>
+          <a:effectRef idx="0">
+            <a:schemeClr val="accent1"/>
+          </a:effectRef>
+          <a:fontRef idx="minor">
+            <a:schemeClr val="lt1"/>
+          </a:fontRef>
+        </p:style>
+        <p:txBody>
+          <a:bodyPr rtlCol="0" anchor="ctr"/>
+          <a:lstStyle/>
+          <a:p>
+            <a:pPr algn="ctr"/>
+            <a:endParaRPr lang="ko-KR" altLang="en-US">
+              <a:latin typeface="+mn-ea"/>
+            </a:endParaRPr>
+          </a:p>
+        </p:txBody>
+      </p:sp>
+      <p:pic>
+        <p:nvPicPr>
+          <p:cNvPr id="2" name="그림 1"/>
+          <p:cNvPicPr>
+            <a:picLocks noChangeAspect="1"/>
+          </p:cNvPicPr>
+          <p:nvPr/>
+        </p:nvPicPr>
+        <p:blipFill rotWithShape="1">
+          <a:blip r:embed="rId2"/>
+          <a:srcRect l="1395" t="26901" r="48105" b="10101"/>
+          <a:stretch/>
+        </p:blipFill>
+        <p:spPr>
+          <a:xfrm>
+            <a:off x="362504" y="1124743"/>
+            <a:ext cx="7317671" cy="5488253"/>
+          </a:xfrm>
+          <a:prstGeom prst="rect">
+            <a:avLst/>
+          </a:prstGeom>
+        </p:spPr>
+      </p:pic>
+      <p:sp>
+        <p:nvSpPr>
+          <p:cNvPr id="6" name="직사각형 5"/>
+          <p:cNvSpPr/>
+          <p:nvPr/>
+        </p:nvSpPr>
+        <p:spPr>
+          <a:xfrm>
+            <a:off x="767408" y="1168106"/>
+            <a:ext cx="6912767" cy="1143016"/>
+          </a:xfrm>
+          <a:prstGeom prst="rect">
+            <a:avLst/>
+          </a:prstGeom>
+          <a:noFill/>
+          <a:ln w="25400">
+            <a:solidFill>
+              <a:srgbClr val="FF0000"/>
+            </a:solidFill>
+          </a:ln>
+        </p:spPr>
+        <p:style>
+          <a:lnRef idx="2">
+            <a:schemeClr val="accent1">
+              <a:shade val="50000"/>
+            </a:schemeClr>
+          </a:lnRef>
+          <a:fillRef idx="1">
+            <a:schemeClr val="accent1"/>
+          </a:fillRef>
+          <a:effectRef idx="0">
+            <a:schemeClr val="accent1"/>
+          </a:effectRef>
+          <a:fontRef idx="minor">
+            <a:schemeClr val="lt1"/>
+          </a:fontRef>
+        </p:style>
+        <p:txBody>
+          <a:bodyPr rtlCol="0" anchor="ctr"/>
+          <a:lstStyle/>
+          <a:p>
+            <a:pPr algn="ctr"/>
+            <a:endParaRPr lang="ko-KR" altLang="en-US"/>
+          </a:p>
+        </p:txBody>
+      </p:sp>
+      <p:sp>
+        <p:nvSpPr>
+          <p:cNvPr id="7" name="TextBox 6"/>
+          <p:cNvSpPr txBox="1"/>
+          <p:nvPr/>
+        </p:nvSpPr>
+        <p:spPr>
+          <a:xfrm>
+            <a:off x="7829271" y="1173838"/>
+            <a:ext cx="3019257" cy="646331"/>
+          </a:xfrm>
+          <a:prstGeom prst="rect">
+            <a:avLst/>
+          </a:prstGeom>
+          <a:noFill/>
+        </p:spPr>
+        <p:txBody>
+          <a:bodyPr wrap="square" rtlCol="0">
+            <a:spAutoFit/>
+          </a:bodyPr>
+          <a:lstStyle/>
+          <a:p>
+            <a:r>
+              <a:rPr lang="ko-KR" altLang="en-US" dirty="0" smtClean="0">
+                <a:latin typeface="+mn-ea"/>
+              </a:rPr>
+              <a:t>병원평가결과를 가져올 수 있는 </a:t>
+            </a:r>
+            <a:r>
+              <a:rPr lang="en-US" altLang="ko-KR" dirty="0" smtClean="0">
+                <a:latin typeface="+mn-ea"/>
+              </a:rPr>
+              <a:t>URL</a:t>
+            </a:r>
+            <a:r>
+              <a:rPr lang="ko-KR" altLang="en-US" dirty="0" smtClean="0">
+                <a:latin typeface="+mn-ea"/>
+              </a:rPr>
+              <a:t>을 만듦</a:t>
+            </a:r>
+          </a:p>
+        </p:txBody>
+      </p:sp>
+      <p:sp>
+        <p:nvSpPr>
+          <p:cNvPr id="8" name="직사각형 7"/>
+          <p:cNvSpPr/>
+          <p:nvPr/>
+        </p:nvSpPr>
+        <p:spPr>
+          <a:xfrm>
+            <a:off x="767408" y="2378754"/>
+            <a:ext cx="6912767" cy="762214"/>
+          </a:xfrm>
+          <a:prstGeom prst="rect">
+            <a:avLst/>
+          </a:prstGeom>
+          <a:noFill/>
+          <a:ln w="25400">
+            <a:solidFill>
+              <a:srgbClr val="FF0000"/>
+            </a:solidFill>
+          </a:ln>
+        </p:spPr>
+        <p:style>
+          <a:lnRef idx="2">
+            <a:schemeClr val="accent1">
+              <a:shade val="50000"/>
+            </a:schemeClr>
+          </a:lnRef>
+          <a:fillRef idx="1">
+            <a:schemeClr val="accent1"/>
+          </a:fillRef>
+          <a:effectRef idx="0">
+            <a:schemeClr val="accent1"/>
+          </a:effectRef>
+          <a:fontRef idx="minor">
+            <a:schemeClr val="lt1"/>
+          </a:fontRef>
+        </p:style>
+        <p:txBody>
+          <a:bodyPr rtlCol="0" anchor="ctr"/>
+          <a:lstStyle/>
+          <a:p>
+            <a:pPr algn="ctr"/>
+            <a:endParaRPr lang="ko-KR" altLang="en-US"/>
+          </a:p>
+        </p:txBody>
+      </p:sp>
+      <p:sp>
+        <p:nvSpPr>
+          <p:cNvPr id="9" name="TextBox 8"/>
+          <p:cNvSpPr txBox="1"/>
+          <p:nvPr/>
+        </p:nvSpPr>
+        <p:spPr>
+          <a:xfrm>
+            <a:off x="7829271" y="2378754"/>
+            <a:ext cx="4243393" cy="923330"/>
+          </a:xfrm>
+          <a:prstGeom prst="rect">
+            <a:avLst/>
+          </a:prstGeom>
+          <a:noFill/>
+        </p:spPr>
+        <p:txBody>
+          <a:bodyPr wrap="square" rtlCol="0">
+            <a:spAutoFit/>
+          </a:bodyPr>
+          <a:lstStyle/>
+          <a:p>
+            <a:r>
+              <a:rPr lang="ko-KR" altLang="en-US" dirty="0" smtClean="0">
+                <a:latin typeface="+mn-ea"/>
+              </a:rPr>
+              <a:t>평가결과에 대한 테이블을 만들고 요양기호 개수 만큼 데이터를 불러오기 위해 요양기호리스트의 행 개수를 카운트</a:t>
+            </a:r>
+            <a:endParaRPr lang="en-US" altLang="ko-KR" dirty="0" smtClean="0">
+              <a:latin typeface="+mn-ea"/>
+            </a:endParaRPr>
+          </a:p>
+        </p:txBody>
+      </p:sp>
+      <p:sp>
+        <p:nvSpPr>
+          <p:cNvPr id="10" name="직사각형 9"/>
+          <p:cNvSpPr/>
+          <p:nvPr/>
+        </p:nvSpPr>
+        <p:spPr>
+          <a:xfrm>
+            <a:off x="767367" y="3487762"/>
+            <a:ext cx="6552769" cy="2389510"/>
+          </a:xfrm>
+          <a:prstGeom prst="rect">
+            <a:avLst/>
+          </a:prstGeom>
+          <a:noFill/>
+          <a:ln w="25400">
+            <a:solidFill>
+              <a:srgbClr val="FF0000"/>
+            </a:solidFill>
+          </a:ln>
+        </p:spPr>
+        <p:style>
+          <a:lnRef idx="2">
+            <a:schemeClr val="accent1">
+              <a:shade val="50000"/>
+            </a:schemeClr>
+          </a:lnRef>
+          <a:fillRef idx="1">
+            <a:schemeClr val="accent1"/>
+          </a:fillRef>
+          <a:effectRef idx="0">
+            <a:schemeClr val="accent1"/>
+          </a:effectRef>
+          <a:fontRef idx="minor">
+            <a:schemeClr val="lt1"/>
+          </a:fontRef>
+        </p:style>
+        <p:txBody>
+          <a:bodyPr rtlCol="0" anchor="ctr"/>
+          <a:lstStyle/>
+          <a:p>
+            <a:pPr algn="ctr"/>
+            <a:endParaRPr lang="ko-KR" altLang="en-US"/>
+          </a:p>
+        </p:txBody>
+      </p:sp>
+      <p:sp>
+        <p:nvSpPr>
+          <p:cNvPr id="11" name="TextBox 10"/>
+          <p:cNvSpPr txBox="1"/>
+          <p:nvPr/>
+        </p:nvSpPr>
+        <p:spPr>
+          <a:xfrm>
+            <a:off x="7518212" y="3868869"/>
+            <a:ext cx="4243393" cy="923330"/>
+          </a:xfrm>
+          <a:prstGeom prst="rect">
+            <a:avLst/>
+          </a:prstGeom>
+          <a:noFill/>
+        </p:spPr>
+        <p:txBody>
+          <a:bodyPr wrap="square" rtlCol="0">
+            <a:spAutoFit/>
+          </a:bodyPr>
+          <a:lstStyle/>
+          <a:p>
+            <a:r>
+              <a:rPr lang="ko-KR" altLang="en-US" dirty="0" smtClean="0">
+                <a:latin typeface="+mn-ea"/>
+              </a:rPr>
+              <a:t>요양기호 값을 </a:t>
+            </a:r>
+            <a:r>
+              <a:rPr lang="en-US" altLang="ko-KR" dirty="0" smtClean="0">
+                <a:latin typeface="+mn-ea"/>
+              </a:rPr>
+              <a:t>URL</a:t>
+            </a:r>
+            <a:r>
+              <a:rPr lang="ko-KR" altLang="en-US" dirty="0" smtClean="0">
+                <a:latin typeface="+mn-ea"/>
+              </a:rPr>
+              <a:t>에 추가하여 각 병원에 대한 평가결과를 가져와 평가결과 테이블에 정보를 저장함</a:t>
+            </a:r>
+            <a:endParaRPr lang="en-US" altLang="ko-KR" dirty="0" smtClean="0">
+              <a:latin typeface="+mn-ea"/>
+            </a:endParaRPr>
+          </a:p>
+        </p:txBody>
+      </p:sp>
+      <p:sp>
+        <p:nvSpPr>
+          <p:cNvPr id="12" name="직사각형 11"/>
+          <p:cNvSpPr/>
+          <p:nvPr/>
+        </p:nvSpPr>
+        <p:spPr>
+          <a:xfrm>
+            <a:off x="760959" y="6309319"/>
+            <a:ext cx="3894881" cy="303677"/>
+          </a:xfrm>
+          <a:prstGeom prst="rect">
+            <a:avLst/>
+          </a:prstGeom>
+          <a:noFill/>
+          <a:ln w="25400">
+            <a:solidFill>
+              <a:srgbClr val="FF0000"/>
+            </a:solidFill>
+          </a:ln>
+        </p:spPr>
+        <p:style>
+          <a:lnRef idx="2">
+            <a:schemeClr val="accent1">
+              <a:shade val="50000"/>
+            </a:schemeClr>
+          </a:lnRef>
+          <a:fillRef idx="1">
+            <a:schemeClr val="accent1"/>
+          </a:fillRef>
+          <a:effectRef idx="0">
+            <a:schemeClr val="accent1"/>
+          </a:effectRef>
+          <a:fontRef idx="minor">
+            <a:schemeClr val="lt1"/>
+          </a:fontRef>
+        </p:style>
+        <p:txBody>
+          <a:bodyPr rtlCol="0" anchor="ctr"/>
+          <a:lstStyle/>
+          <a:p>
+            <a:pPr algn="ctr"/>
+            <a:endParaRPr lang="ko-KR" altLang="en-US"/>
+          </a:p>
+        </p:txBody>
+      </p:sp>
+      <p:sp>
+        <p:nvSpPr>
+          <p:cNvPr id="13" name="TextBox 12"/>
+          <p:cNvSpPr txBox="1"/>
+          <p:nvPr/>
+        </p:nvSpPr>
+        <p:spPr>
+          <a:xfrm>
+            <a:off x="4817776" y="6286629"/>
+            <a:ext cx="7254888" cy="369332"/>
+          </a:xfrm>
+          <a:prstGeom prst="rect">
+            <a:avLst/>
+          </a:prstGeom>
+          <a:noFill/>
+        </p:spPr>
+        <p:txBody>
+          <a:bodyPr wrap="square" rtlCol="0">
+            <a:spAutoFit/>
+          </a:bodyPr>
+          <a:lstStyle/>
+          <a:p>
+            <a:r>
+              <a:rPr lang="ko-KR" altLang="en-US" dirty="0" smtClean="0">
+                <a:latin typeface="+mn-ea"/>
+              </a:rPr>
+              <a:t>병원정보와 </a:t>
+            </a:r>
+            <a:r>
+              <a:rPr lang="ko-KR" altLang="en-US" smtClean="0">
+                <a:latin typeface="+mn-ea"/>
+              </a:rPr>
+              <a:t>병원평가결과를 통합하여 관리하기 위해 테이블을 합침</a:t>
+            </a:r>
+            <a:endParaRPr lang="ko-KR" altLang="en-US" dirty="0" smtClean="0">
+              <a:latin typeface="+mn-ea"/>
+            </a:endParaRPr>
+          </a:p>
+        </p:txBody>
+      </p:sp>
+      <p:sp>
+        <p:nvSpPr>
+          <p:cNvPr id="14" name="TextBox 13"/>
+          <p:cNvSpPr txBox="1"/>
+          <p:nvPr/>
+        </p:nvSpPr>
+        <p:spPr>
+          <a:xfrm>
+            <a:off x="357351" y="190705"/>
+            <a:ext cx="5811206" cy="707886"/>
+          </a:xfrm>
+          <a:prstGeom prst="rect">
+            <a:avLst/>
+          </a:prstGeom>
+          <a:noFill/>
+        </p:spPr>
+        <p:txBody>
+          <a:bodyPr wrap="none" rtlCol="0">
+            <a:spAutoFit/>
+          </a:bodyPr>
+          <a:lstStyle/>
+          <a:p>
+            <a:r>
+              <a:rPr lang="ko-KR" altLang="en-US" sz="4000" dirty="0" smtClean="0">
+                <a:latin typeface="+mn-ea"/>
+              </a:rPr>
+              <a:t>진행 상황 </a:t>
+            </a:r>
+            <a:r>
+              <a:rPr lang="en-US" altLang="ko-KR" sz="2000" dirty="0" smtClean="0">
+                <a:latin typeface="+mn-ea"/>
+              </a:rPr>
+              <a:t>–</a:t>
+            </a:r>
+            <a:r>
+              <a:rPr lang="ko-KR" altLang="en-US" sz="2000" dirty="0" smtClean="0">
+                <a:latin typeface="+mn-ea"/>
+              </a:rPr>
+              <a:t>병원 평가결과조회 서비스</a:t>
+            </a:r>
+            <a:r>
+              <a:rPr lang="en-US" altLang="ko-KR" sz="2000" dirty="0" smtClean="0">
+                <a:latin typeface="+mn-ea"/>
+              </a:rPr>
+              <a:t>-</a:t>
+            </a:r>
+            <a:endParaRPr lang="ko-KR" altLang="en-US" sz="2000" dirty="0">
+              <a:latin typeface="+mn-ea"/>
+            </a:endParaRPr>
+          </a:p>
+        </p:txBody>
+      </p:sp>
+    </p:spTree>
+    <p:extLst>
+      <p:ext uri="{BB962C8B-B14F-4D97-AF65-F5344CB8AC3E}">
+        <p14:creationId xmlns:p14="http://schemas.microsoft.com/office/powerpoint/2010/main" val="791830027"/>
+      </p:ext>
+    </p:extLst>
+  </p:cSld>
+  <p:clrMapOvr>
+    <a:masterClrMapping/>
+  </p:clrMapOvr>
+  <p:timing>
+    <p:tnLst>
+      <p:par>
+        <p:cTn id="1" dur="indefinite" restart="never" nodeType="tmRoot"/>
+      </p:par>
+    </p:tnLst>
+  </p:timing>
+</p:sld>
+</file>
+
+<file path=ppt/slides/slide11.xml><?xml version="1.0" encoding="utf-8"?>
+<p:sld xmlns:a="http://schemas.openxmlformats.org/drawingml/2006/main" xmlns:r="http://schemas.openxmlformats.org/officeDocument/2006/relationships" xmlns:p="http://schemas.openxmlformats.org/presentationml/2006/main">
+  <p:cSld>
+    <p:spTree>
+      <p:nvGrpSpPr>
+        <p:cNvPr id="1" name=""/>
+        <p:cNvGrpSpPr/>
+        <p:nvPr/>
+      </p:nvGrpSpPr>
+      <p:grpSpPr>
+        <a:xfrm>
+          <a:off x="0" y="0"/>
+          <a:ext cx="0" cy="0"/>
+          <a:chOff x="0" y="0"/>
+          <a:chExt cx="0" cy="0"/>
+        </a:xfrm>
+      </p:grpSpPr>
+      <p:sp>
+        <p:nvSpPr>
+          <p:cNvPr id="4" name="사다리꼴 3"/>
+          <p:cNvSpPr/>
+          <p:nvPr/>
+        </p:nvSpPr>
+        <p:spPr>
+          <a:xfrm rot="10800000">
+            <a:off x="357351" y="0"/>
+            <a:ext cx="11424745" cy="105103"/>
+          </a:xfrm>
+          <a:prstGeom prst="trapezoid">
+            <a:avLst/>
+          </a:prstGeom>
+          <a:solidFill>
+            <a:srgbClr val="A4B1C4"/>
+          </a:solidFill>
+          <a:ln>
+            <a:noFill/>
+          </a:ln>
+        </p:spPr>
+        <p:style>
+          <a:lnRef idx="2">
+            <a:schemeClr val="accent1">
+              <a:shade val="50000"/>
+            </a:schemeClr>
+          </a:lnRef>
+          <a:fillRef idx="1">
+            <a:schemeClr val="accent1"/>
+          </a:fillRef>
+          <a:effectRef idx="0">
+            <a:schemeClr val="accent1"/>
+          </a:effectRef>
+          <a:fontRef idx="minor">
+            <a:schemeClr val="lt1"/>
+          </a:fontRef>
+        </p:style>
+        <p:txBody>
+          <a:bodyPr rtlCol="0" anchor="ctr"/>
+          <a:lstStyle/>
+          <a:p>
+            <a:pPr algn="ctr"/>
+            <a:endParaRPr lang="ko-KR" altLang="en-US">
+              <a:latin typeface="+mn-ea"/>
+            </a:endParaRPr>
+          </a:p>
+        </p:txBody>
+      </p:sp>
+      <p:sp>
+        <p:nvSpPr>
+          <p:cNvPr id="5" name="TextBox 4"/>
+          <p:cNvSpPr txBox="1"/>
+          <p:nvPr/>
+        </p:nvSpPr>
+        <p:spPr>
+          <a:xfrm>
+            <a:off x="357351" y="190705"/>
+            <a:ext cx="2417650" cy="707886"/>
+          </a:xfrm>
+          <a:prstGeom prst="rect">
+            <a:avLst/>
+          </a:prstGeom>
+          <a:noFill/>
+        </p:spPr>
+        <p:txBody>
+          <a:bodyPr wrap="none" rtlCol="0">
+            <a:spAutoFit/>
+          </a:bodyPr>
+          <a:lstStyle/>
+          <a:p>
+            <a:r>
+              <a:rPr lang="ko-KR" altLang="en-US" sz="4000" dirty="0" smtClean="0">
+                <a:latin typeface="+mn-ea"/>
+              </a:rPr>
+              <a:t>향후 계획</a:t>
+            </a:r>
+            <a:endParaRPr lang="ko-KR" altLang="en-US" sz="4000" dirty="0">
+              <a:latin typeface="+mn-ea"/>
+            </a:endParaRPr>
+          </a:p>
+        </p:txBody>
+      </p:sp>
+      <p:sp>
+        <p:nvSpPr>
+          <p:cNvPr id="32" name="사다리꼴 31"/>
+          <p:cNvSpPr/>
+          <p:nvPr/>
+        </p:nvSpPr>
+        <p:spPr>
+          <a:xfrm rot="10800000" flipV="1">
+            <a:off x="357351" y="882938"/>
+            <a:ext cx="11424745" cy="105103"/>
+          </a:xfrm>
+          <a:prstGeom prst="trapezoid">
+            <a:avLst/>
+          </a:prstGeom>
+          <a:solidFill>
+            <a:srgbClr val="A4B1C4"/>
+          </a:solidFill>
+          <a:ln>
+            <a:noFill/>
+          </a:ln>
+        </p:spPr>
+        <p:style>
+          <a:lnRef idx="2">
+            <a:schemeClr val="accent1">
+              <a:shade val="50000"/>
+            </a:schemeClr>
+          </a:lnRef>
+          <a:fillRef idx="1">
+            <a:schemeClr val="accent1"/>
+          </a:fillRef>
+          <a:effectRef idx="0">
+            <a:schemeClr val="accent1"/>
+          </a:effectRef>
+          <a:fontRef idx="minor">
+            <a:schemeClr val="lt1"/>
+          </a:fontRef>
+        </p:style>
+        <p:txBody>
+          <a:bodyPr rtlCol="0" anchor="ctr"/>
+          <a:lstStyle/>
+          <a:p>
+            <a:pPr algn="ctr"/>
+            <a:endParaRPr lang="ko-KR" altLang="en-US">
+              <a:latin typeface="+mn-ea"/>
+            </a:endParaRPr>
+          </a:p>
+        </p:txBody>
+      </p:sp>
+      <p:sp>
+        <p:nvSpPr>
+          <p:cNvPr id="2" name="TextBox 1"/>
+          <p:cNvSpPr txBox="1"/>
+          <p:nvPr/>
+        </p:nvSpPr>
+        <p:spPr>
+          <a:xfrm>
+            <a:off x="372553" y="2132856"/>
+            <a:ext cx="11660564" cy="3323987"/>
+          </a:xfrm>
+          <a:prstGeom prst="rect">
+            <a:avLst/>
+          </a:prstGeom>
+          <a:noFill/>
+        </p:spPr>
+        <p:txBody>
+          <a:bodyPr wrap="none" rtlCol="0">
+            <a:spAutoFit/>
+          </a:bodyPr>
+          <a:lstStyle/>
+          <a:p>
+            <a:pPr marL="342900" indent="-342900">
+              <a:lnSpc>
+                <a:spcPct val="150000"/>
+              </a:lnSpc>
+              <a:buSzPct val="140000"/>
+              <a:buFont typeface="+mj-lt"/>
+              <a:buAutoNum type="arabicPeriod"/>
+            </a:pPr>
+            <a:r>
+              <a:rPr lang="ko-KR" altLang="en-US" sz="2800" dirty="0" smtClean="0">
+                <a:latin typeface="+mn-ea"/>
+              </a:rPr>
+              <a:t> 통합된 데이터를 통해 원하는 결과를 유도할 수 있도록 처리 및 분석</a:t>
+            </a:r>
+            <a:endParaRPr lang="en-US" altLang="ko-KR" sz="2800" dirty="0" smtClean="0">
+              <a:latin typeface="+mn-ea"/>
+            </a:endParaRPr>
+          </a:p>
+          <a:p>
+            <a:pPr marL="342900" indent="-342900">
+              <a:lnSpc>
+                <a:spcPct val="150000"/>
+              </a:lnSpc>
+              <a:buSzPct val="140000"/>
+              <a:buFont typeface="+mj-lt"/>
+              <a:buAutoNum type="arabicPeriod"/>
+            </a:pPr>
+            <a:endParaRPr lang="en-US" altLang="ko-KR" sz="2800" dirty="0">
+              <a:latin typeface="+mn-ea"/>
+            </a:endParaRPr>
+          </a:p>
+          <a:p>
+            <a:pPr marL="342900" indent="-342900">
+              <a:lnSpc>
+                <a:spcPct val="150000"/>
+              </a:lnSpc>
+              <a:buSzPct val="140000"/>
+              <a:buFont typeface="+mj-lt"/>
+              <a:buAutoNum type="arabicPeriod"/>
+            </a:pPr>
+            <a:r>
+              <a:rPr lang="ko-KR" altLang="en-US" sz="2800" dirty="0" smtClean="0">
+                <a:latin typeface="+mn-ea"/>
+              </a:rPr>
+              <a:t> 작성 완료된 </a:t>
+            </a:r>
+            <a:r>
+              <a:rPr lang="en-US" altLang="ko-KR" sz="2800" dirty="0" smtClean="0">
+                <a:latin typeface="+mn-ea"/>
+              </a:rPr>
+              <a:t>R</a:t>
+            </a:r>
+            <a:r>
+              <a:rPr lang="ko-KR" altLang="en-US" sz="2800" dirty="0" smtClean="0">
+                <a:latin typeface="+mn-ea"/>
+              </a:rPr>
+              <a:t>코드를 </a:t>
+            </a:r>
+            <a:r>
+              <a:rPr lang="ko-KR" altLang="en-US" sz="2800" dirty="0" err="1" smtClean="0">
+                <a:latin typeface="+mn-ea"/>
+              </a:rPr>
+              <a:t>파이썬</a:t>
+            </a:r>
+            <a:r>
+              <a:rPr lang="ko-KR" altLang="en-US" sz="2800" dirty="0" smtClean="0">
+                <a:latin typeface="+mn-ea"/>
+              </a:rPr>
+              <a:t> 환경에서 실행될 수 있게 </a:t>
+            </a:r>
+            <a:r>
+              <a:rPr lang="en-US" altLang="ko-KR" sz="2800" dirty="0" smtClean="0">
+                <a:latin typeface="+mn-ea"/>
+              </a:rPr>
+              <a:t>rpy2</a:t>
+            </a:r>
+            <a:r>
+              <a:rPr lang="ko-KR" altLang="en-US" sz="2800" dirty="0" smtClean="0">
+                <a:latin typeface="+mn-ea"/>
+              </a:rPr>
+              <a:t>로 작성</a:t>
+            </a:r>
+            <a:endParaRPr lang="en-US" altLang="ko-KR" sz="2800" dirty="0" smtClean="0">
+              <a:latin typeface="+mn-ea"/>
+            </a:endParaRPr>
+          </a:p>
+          <a:p>
+            <a:pPr marL="342900" indent="-342900">
+              <a:lnSpc>
+                <a:spcPct val="150000"/>
+              </a:lnSpc>
+              <a:buSzPct val="140000"/>
+              <a:buFont typeface="+mj-lt"/>
+              <a:buAutoNum type="arabicPeriod"/>
+            </a:pPr>
+            <a:endParaRPr lang="en-US" altLang="ko-KR" sz="2800" dirty="0">
+              <a:latin typeface="+mn-ea"/>
+            </a:endParaRPr>
+          </a:p>
+          <a:p>
+            <a:pPr marL="342900" indent="-342900">
+              <a:lnSpc>
+                <a:spcPct val="150000"/>
+              </a:lnSpc>
+              <a:buSzPct val="140000"/>
+              <a:buFont typeface="+mj-lt"/>
+              <a:buAutoNum type="arabicPeriod"/>
+            </a:pPr>
+            <a:r>
+              <a:rPr lang="ko-KR" altLang="en-US" sz="2800" dirty="0" smtClean="0">
+                <a:latin typeface="+mn-ea"/>
+              </a:rPr>
+              <a:t> 웹 서비스를 하게 될 </a:t>
+            </a:r>
+            <a:r>
+              <a:rPr lang="ko-KR" altLang="en-US" sz="2800" dirty="0" err="1" smtClean="0">
+                <a:latin typeface="+mn-ea"/>
+              </a:rPr>
+              <a:t>프론트엔드</a:t>
+            </a:r>
+            <a:r>
+              <a:rPr lang="ko-KR" altLang="en-US" sz="2800" dirty="0" smtClean="0">
+                <a:latin typeface="+mn-ea"/>
+              </a:rPr>
+              <a:t> 구성</a:t>
+            </a:r>
+          </a:p>
+        </p:txBody>
+      </p:sp>
+    </p:spTree>
+    <p:extLst>
+      <p:ext uri="{BB962C8B-B14F-4D97-AF65-F5344CB8AC3E}">
+        <p14:creationId xmlns:p14="http://schemas.microsoft.com/office/powerpoint/2010/main" val="1504037518"/>
+      </p:ext>
+    </p:extLst>
+  </p:cSld>
+  <p:clrMapOvr>
+    <a:masterClrMapping/>
+  </p:clrMapOvr>
+  <p:timing>
+    <p:tnLst>
+      <p:par>
+        <p:cTn id="1" dur="indefinite" restart="never" nodeType="tmRoot"/>
+      </p:par>
+    </p:tnLst>
+  </p:timing>
+</p:sld>
+</file>
+
+<file path=ppt/slides/slide12.xml><?xml version="1.0" encoding="utf-8"?>
+<p:sld xmlns:a="http://schemas.openxmlformats.org/drawingml/2006/main" xmlns:r="http://schemas.openxmlformats.org/officeDocument/2006/relationships" xmlns:p="http://schemas.openxmlformats.org/presentationml/2006/main">
+  <p:cSld>
+    <p:spTree>
+      <p:nvGrpSpPr>
+        <p:cNvPr id="1" name=""/>
+        <p:cNvGrpSpPr/>
+        <p:nvPr/>
+      </p:nvGrpSpPr>
+      <p:grpSpPr>
+        <a:xfrm>
+          <a:off x="0" y="0"/>
+          <a:ext cx="0" cy="0"/>
+          <a:chOff x="0" y="0"/>
+          <a:chExt cx="0" cy="0"/>
+        </a:xfrm>
+      </p:grpSpPr>
+      <p:sp>
+        <p:nvSpPr>
           <p:cNvPr id="5" name="직사각형 4"/>
           <p:cNvSpPr/>
           <p:nvPr/>
@@ -8593,7 +9468,7 @@
 </p:sld>
 </file>
 
-<file path=ppt/slides/slide11.xml><?xml version="1.0" encoding="utf-8"?>
+<file path=ppt/slides/slide13.xml><?xml version="1.0" encoding="utf-8"?>
 <p:sld xmlns:a="http://schemas.openxmlformats.org/drawingml/2006/main" xmlns:r="http://schemas.openxmlformats.org/officeDocument/2006/relationships" xmlns:p="http://schemas.openxmlformats.org/presentationml/2006/main">
   <p:cSld>
     <p:spTree>
@@ -8975,7 +9850,7 @@
                 </a:solidFill>
                 <a:latin typeface="+mn-ea"/>
               </a:rPr>
-              <a:t>개발 목적</a:t>
+              <a:t>개발 동기</a:t>
             </a:r>
             <a:endParaRPr lang="en-US" altLang="ko-KR" sz="2800" b="1" dirty="0" smtClean="0">
               <a:solidFill>
@@ -9602,7 +10477,7 @@
         <p:spPr>
           <a:xfrm>
             <a:off x="2458817" y="1844824"/>
-            <a:ext cx="2776722" cy="1077218"/>
+            <a:ext cx="3215367" cy="1077218"/>
           </a:xfrm>
           <a:prstGeom prst="rect">
             <a:avLst/>
@@ -9652,11 +10527,27 @@
                 <a:latin typeface="+mn-ea"/>
                 <a:hlinkClick r:id="rId13"/>
               </a:rPr>
-              <a:t>github.com/Ssolmini</a:t>
-            </a:r>
-            <a:endParaRPr lang="en-US" altLang="ko-KR" sz="1600" dirty="0" smtClean="0">
-              <a:latin typeface="+mn-ea"/>
-            </a:endParaRPr>
+              <a:t>github.com</a:t>
+            </a:r>
+            <a:r>
+              <a:rPr lang="en-US" altLang="ko-KR" sz="1600" u="sng" dirty="0" smtClean="0">
+                <a:solidFill>
+                  <a:srgbClr val="0070C0"/>
+                </a:solidFill>
+                <a:latin typeface="+mn-ea"/>
+                <a:hlinkClick r:id="rId13"/>
+              </a:rPr>
+              <a:t>/</a:t>
+            </a:r>
+            <a:r>
+              <a:rPr lang="en-US" altLang="ko-KR" sz="1600" u="sng" dirty="0" smtClean="0">
+                <a:solidFill>
+                  <a:srgbClr val="0070C0"/>
+                </a:solidFill>
+                <a:latin typeface="+mn-ea"/>
+              </a:rPr>
+              <a:t>Helloworldist</a:t>
+            </a:r>
           </a:p>
           <a:p>
             <a:r>
@@ -9923,7 +10814,7 @@
               <a:rPr lang="ko-KR" altLang="en-US" sz="4000" dirty="0" smtClean="0">
                 <a:latin typeface="+mn-ea"/>
               </a:rPr>
-              <a:t>개발 목적</a:t>
+              <a:t>개발 동기</a:t>
             </a:r>
             <a:endParaRPr lang="ko-KR" altLang="en-US" sz="4000" dirty="0">
               <a:latin typeface="+mn-ea"/>
@@ -9976,6 +10867,286 @@
             <a:endParaRPr lang="ko-KR" altLang="en-US">
               <a:latin typeface="+mn-ea"/>
             </a:endParaRPr>
+          </a:p>
+        </p:txBody>
+      </p:sp>
+      <p:sp>
+        <p:nvSpPr>
+          <p:cNvPr id="3" name="TextBox 2"/>
+          <p:cNvSpPr txBox="1"/>
+          <p:nvPr/>
+        </p:nvSpPr>
+        <p:spPr>
+          <a:xfrm>
+            <a:off x="839416" y="1412776"/>
+            <a:ext cx="10408619" cy="4401205"/>
+          </a:xfrm>
+          <a:prstGeom prst="rect">
+            <a:avLst/>
+          </a:prstGeom>
+          <a:noFill/>
+        </p:spPr>
+        <p:txBody>
+          <a:bodyPr wrap="none" rtlCol="0">
+            <a:spAutoFit/>
+          </a:bodyPr>
+          <a:lstStyle/>
+          <a:p>
+            <a:pPr marL="342900" indent="-342900">
+              <a:lnSpc>
+                <a:spcPct val="200000"/>
+              </a:lnSpc>
+              <a:buSzPct val="140000"/>
+              <a:buAutoNum type="arabicPeriod"/>
+            </a:pPr>
+            <a:r>
+              <a:rPr lang="ko-KR" altLang="en-US" sz="2800" dirty="0" smtClean="0">
+                <a:latin typeface="+mn-ea"/>
+              </a:rPr>
+              <a:t> 주변에 병원들은 많으나</a:t>
+            </a:r>
+            <a:r>
+              <a:rPr lang="en-US" altLang="ko-KR" sz="2800" dirty="0" smtClean="0">
+                <a:latin typeface="+mn-ea"/>
+              </a:rPr>
+              <a:t>, </a:t>
+            </a:r>
+            <a:r>
+              <a:rPr lang="ko-KR" altLang="en-US" sz="2800" dirty="0" smtClean="0">
+                <a:latin typeface="+mn-ea"/>
+              </a:rPr>
+              <a:t>어느 병원이 질 좋은 병원인지 모름</a:t>
+            </a:r>
+            <a:endParaRPr lang="en-US" altLang="ko-KR" sz="2800" dirty="0" smtClean="0">
+              <a:latin typeface="+mn-ea"/>
+            </a:endParaRPr>
+          </a:p>
+          <a:p>
+            <a:pPr marL="342900" indent="-342900">
+              <a:lnSpc>
+                <a:spcPct val="200000"/>
+              </a:lnSpc>
+              <a:buSzPct val="140000"/>
+              <a:buAutoNum type="arabicPeriod"/>
+            </a:pPr>
+            <a:endParaRPr lang="en-US" altLang="ko-KR" sz="2800" dirty="0">
+              <a:latin typeface="+mn-ea"/>
+            </a:endParaRPr>
+          </a:p>
+          <a:p>
+            <a:pPr marL="342900" indent="-342900">
+              <a:lnSpc>
+                <a:spcPct val="200000"/>
+              </a:lnSpc>
+              <a:buSzPct val="140000"/>
+              <a:buAutoNum type="arabicPeriod"/>
+            </a:pPr>
+            <a:r>
+              <a:rPr lang="ko-KR" altLang="en-US" sz="2800" dirty="0" smtClean="0">
+                <a:latin typeface="+mn-ea"/>
+              </a:rPr>
+              <a:t> 해당 병원에 대한 상세한 정보가 부족함</a:t>
+            </a:r>
+            <a:endParaRPr lang="en-US" altLang="ko-KR" sz="2800" dirty="0" smtClean="0">
+              <a:latin typeface="+mn-ea"/>
+            </a:endParaRPr>
+          </a:p>
+          <a:p>
+            <a:pPr marL="342900" indent="-342900">
+              <a:lnSpc>
+                <a:spcPct val="200000"/>
+              </a:lnSpc>
+              <a:buSzPct val="140000"/>
+              <a:buAutoNum type="arabicPeriod"/>
+            </a:pPr>
+            <a:endParaRPr lang="en-US" altLang="ko-KR" sz="2800" dirty="0">
+              <a:latin typeface="+mn-ea"/>
+            </a:endParaRPr>
+          </a:p>
+          <a:p>
+            <a:pPr marL="342900" indent="-342900">
+              <a:lnSpc>
+                <a:spcPct val="200000"/>
+              </a:lnSpc>
+              <a:buSzPct val="140000"/>
+              <a:buAutoNum type="arabicPeriod"/>
+            </a:pPr>
+            <a:r>
+              <a:rPr lang="ko-KR" altLang="en-US" sz="2800" dirty="0" smtClean="0">
+                <a:latin typeface="+mn-ea"/>
+              </a:rPr>
+              <a:t> 해당 서비스를 통해 소개된 병원들은 경쟁력을 가질 수 있음</a:t>
+            </a:r>
+          </a:p>
+        </p:txBody>
+      </p:sp>
+      <p:sp>
+        <p:nvSpPr>
+          <p:cNvPr id="4" name="TextBox 3"/>
+          <p:cNvSpPr txBox="1"/>
+          <p:nvPr/>
+        </p:nvSpPr>
+        <p:spPr>
+          <a:xfrm>
+            <a:off x="1667301" y="2540375"/>
+            <a:ext cx="9469259" cy="400110"/>
+          </a:xfrm>
+          <a:prstGeom prst="rect">
+            <a:avLst/>
+          </a:prstGeom>
+          <a:noFill/>
+        </p:spPr>
+        <p:txBody>
+          <a:bodyPr wrap="none" rtlCol="0">
+            <a:spAutoFit/>
+          </a:bodyPr>
+          <a:lstStyle/>
+          <a:p>
+            <a:r>
+              <a:rPr lang="ko-KR" altLang="en-US" sz="2000" dirty="0" smtClean="0">
+                <a:latin typeface="+mn-ea"/>
+              </a:rPr>
+              <a:t>검색을 통해 질병 별 평가 등급을 확인하고 우수한 등급의 병원을 선택할 수 있다</a:t>
+            </a:r>
+          </a:p>
+        </p:txBody>
+      </p:sp>
+      <p:sp>
+        <p:nvSpPr>
+          <p:cNvPr id="10" name="TextBox 9"/>
+          <p:cNvSpPr txBox="1"/>
+          <p:nvPr/>
+        </p:nvSpPr>
+        <p:spPr>
+          <a:xfrm>
+            <a:off x="1619183" y="4253026"/>
+            <a:ext cx="7717177" cy="400110"/>
+          </a:xfrm>
+          <a:prstGeom prst="rect">
+            <a:avLst/>
+          </a:prstGeom>
+          <a:noFill/>
+        </p:spPr>
+        <p:txBody>
+          <a:bodyPr wrap="none" rtlCol="0">
+            <a:spAutoFit/>
+          </a:bodyPr>
+          <a:lstStyle/>
+          <a:p>
+            <a:r>
+              <a:rPr lang="ko-KR" altLang="en-US" sz="2000" dirty="0" smtClean="0">
+                <a:latin typeface="+mn-ea"/>
+              </a:rPr>
+              <a:t>검색을 통해 해당 병원의 진료과목</a:t>
+            </a:r>
+            <a:r>
+              <a:rPr lang="en-US" altLang="ko-KR" sz="2000" dirty="0" smtClean="0">
+                <a:latin typeface="+mn-ea"/>
+              </a:rPr>
+              <a:t>, </a:t>
+            </a:r>
+            <a:r>
+              <a:rPr lang="ko-KR" altLang="en-US" sz="2000" dirty="0" smtClean="0">
+                <a:latin typeface="+mn-ea"/>
+              </a:rPr>
+              <a:t>세부정보 등을 확인할 수 있다</a:t>
+            </a:r>
+          </a:p>
+        </p:txBody>
+      </p:sp>
+      <p:sp>
+        <p:nvSpPr>
+          <p:cNvPr id="5" name="오른쪽 화살표 4"/>
+          <p:cNvSpPr/>
+          <p:nvPr/>
+        </p:nvSpPr>
+        <p:spPr>
+          <a:xfrm>
+            <a:off x="1208657" y="2590388"/>
+            <a:ext cx="324037" cy="300083"/>
+          </a:xfrm>
+          <a:prstGeom prst="rightArrow">
+            <a:avLst/>
+          </a:prstGeom>
+          <a:solidFill>
+            <a:srgbClr val="FF9A8B"/>
+          </a:solidFill>
+          <a:ln w="15875">
+            <a:solidFill>
+              <a:srgbClr val="404551"/>
+            </a:solidFill>
+          </a:ln>
+        </p:spPr>
+        <p:style>
+          <a:lnRef idx="2">
+            <a:schemeClr val="accent1">
+              <a:shade val="50000"/>
+            </a:schemeClr>
+          </a:lnRef>
+          <a:fillRef idx="1">
+            <a:schemeClr val="accent1"/>
+          </a:fillRef>
+          <a:effectRef idx="0">
+            <a:schemeClr val="accent1"/>
+          </a:effectRef>
+          <a:fontRef idx="minor">
+            <a:schemeClr val="lt1"/>
+          </a:fontRef>
+        </p:style>
+        <p:txBody>
+          <a:bodyPr rtlCol="0" anchor="ctr"/>
+          <a:lstStyle/>
+          <a:p>
+            <a:pPr algn="ctr"/>
+            <a:endParaRPr lang="ko-KR" altLang="en-US"/>
+          </a:p>
+        </p:txBody>
+      </p:sp>
+      <p:sp>
+        <p:nvSpPr>
+          <p:cNvPr id="11" name="오른쪽 화살표 10"/>
+          <p:cNvSpPr/>
+          <p:nvPr/>
+        </p:nvSpPr>
+        <p:spPr>
+          <a:xfrm>
+            <a:off x="1199038" y="4306856"/>
+            <a:ext cx="324037" cy="300083"/>
+          </a:xfrm>
+          <a:prstGeom prst="rightArrow">
+            <a:avLst/>
+          </a:prstGeom>
+          <a:solidFill>
+            <a:srgbClr val="FF9A8B"/>
+          </a:solidFill>
+          <a:ln w="15875">
+            <a:solidFill>
+              <a:srgbClr val="404551"/>
+            </a:solidFill>
+          </a:ln>
+        </p:spPr>
+        <p:style>
+          <a:lnRef idx="2">
+            <a:schemeClr val="accent1">
+              <a:shade val="50000"/>
+            </a:schemeClr>
+          </a:lnRef>
+          <a:fillRef idx="1">
+            <a:schemeClr val="accent1"/>
+          </a:fillRef>
+          <a:effectRef idx="0">
+            <a:schemeClr val="accent1"/>
+          </a:effectRef>
+          <a:fontRef idx="minor">
+            <a:schemeClr val="lt1"/>
+          </a:fontRef>
+        </p:style>
+        <p:txBody>
+          <a:bodyPr rtlCol="0" anchor="ctr"/>
+          <a:lstStyle/>
+          <a:p>
+            <a:pPr algn="ctr"/>
+            <a:endParaRPr lang="ko-KR" altLang="en-US"/>
           </a:p>
         </p:txBody>
       </p:sp>
@@ -10559,139 +11730,9 @@
   <p:timing>
     <p:tnLst>
       <p:par>
-        <p:cTn id="1" dur="indefinite" restart="never" nodeType="tmRoot">
-          <p:childTnLst>
-            <p:seq concurrent="1" nextAc="seek">
-              <p:cTn id="2" dur="indefinite" nodeType="mainSeq">
-                <p:childTnLst>
-                  <p:par>
-                    <p:cTn id="3" fill="hold">
-                      <p:stCondLst>
-                        <p:cond delay="indefinite"/>
-                        <p:cond evt="onBegin" delay="0">
-                          <p:tn val="2"/>
-                        </p:cond>
-                      </p:stCondLst>
-                      <p:childTnLst>
-                        <p:par>
-                          <p:cTn id="4" fill="hold">
-                            <p:stCondLst>
-                              <p:cond delay="0"/>
-                            </p:stCondLst>
-                            <p:childTnLst>
-                              <p:par>
-                                <p:cTn id="5" presetID="1" presetClass="entr" presetSubtype="0" fill="hold" grpId="0" nodeType="withEffect">
-                                  <p:stCondLst>
-                                    <p:cond delay="0"/>
-                                  </p:stCondLst>
-                                  <p:childTnLst>
-                                    <p:set>
-                                      <p:cBhvr>
-                                        <p:cTn id="6" dur="1" fill="hold">
-                                          <p:stCondLst>
-                                            <p:cond delay="0"/>
-                                          </p:stCondLst>
-                                        </p:cTn>
-                                        <p:tgtEl>
-                                          <p:spTgt spid="17"/>
-                                        </p:tgtEl>
-                                        <p:attrNameLst>
-                                          <p:attrName>style.visibility</p:attrName>
-                                        </p:attrNameLst>
-                                      </p:cBhvr>
-                                      <p:to>
-                                        <p:strVal val="visible"/>
-                                      </p:to>
-                                    </p:set>
-                                  </p:childTnLst>
-                                </p:cTn>
-                              </p:par>
-                              <p:par>
-                                <p:cTn id="7" presetID="1" presetClass="entr" presetSubtype="0" fill="hold" grpId="0" nodeType="withEffect">
-                                  <p:stCondLst>
-                                    <p:cond delay="0"/>
-                                  </p:stCondLst>
-                                  <p:childTnLst>
-                                    <p:set>
-                                      <p:cBhvr>
-                                        <p:cTn id="8" dur="1" fill="hold">
-                                          <p:stCondLst>
-                                            <p:cond delay="0"/>
-                                          </p:stCondLst>
-                                        </p:cTn>
-                                        <p:tgtEl>
-                                          <p:spTgt spid="18"/>
-                                        </p:tgtEl>
-                                        <p:attrNameLst>
-                                          <p:attrName>style.visibility</p:attrName>
-                                        </p:attrNameLst>
-                                      </p:cBhvr>
-                                      <p:to>
-                                        <p:strVal val="visible"/>
-                                      </p:to>
-                                    </p:set>
-                                  </p:childTnLst>
-                                </p:cTn>
-                              </p:par>
-                              <p:par>
-                                <p:cTn id="9" presetID="1" presetClass="entr" presetSubtype="0" fill="hold" grpId="0" nodeType="withEffect">
-                                  <p:stCondLst>
-                                    <p:cond delay="0"/>
-                                  </p:stCondLst>
-                                  <p:childTnLst>
-                                    <p:set>
-                                      <p:cBhvr>
-                                        <p:cTn id="10" dur="1" fill="hold">
-                                          <p:stCondLst>
-                                            <p:cond delay="0"/>
-                                          </p:stCondLst>
-                                        </p:cTn>
-                                        <p:tgtEl>
-                                          <p:spTgt spid="19"/>
-                                        </p:tgtEl>
-                                        <p:attrNameLst>
-                                          <p:attrName>style.visibility</p:attrName>
-                                        </p:attrNameLst>
-                                      </p:cBhvr>
-                                      <p:to>
-                                        <p:strVal val="visible"/>
-                                      </p:to>
-                                    </p:set>
-                                  </p:childTnLst>
-                                </p:cTn>
-                              </p:par>
-                            </p:childTnLst>
-                          </p:cTn>
-                        </p:par>
-                      </p:childTnLst>
-                    </p:cTn>
-                  </p:par>
-                </p:childTnLst>
-              </p:cTn>
-              <p:prevCondLst>
-                <p:cond evt="onPrev" delay="0">
-                  <p:tgtEl>
-                    <p:sldTgt/>
-                  </p:tgtEl>
-                </p:cond>
-              </p:prevCondLst>
-              <p:nextCondLst>
-                <p:cond evt="onNext" delay="0">
-                  <p:tgtEl>
-                    <p:sldTgt/>
-                  </p:tgtEl>
-                </p:cond>
-              </p:nextCondLst>
-            </p:seq>
-          </p:childTnLst>
-        </p:cTn>
+        <p:cTn id="1" dur="indefinite" restart="never" nodeType="tmRoot"/>
       </p:par>
     </p:tnLst>
-    <p:bldLst>
-      <p:bldP spid="17" grpId="0" animBg="1"/>
-      <p:bldP spid="18" grpId="0" animBg="1"/>
-      <p:bldP spid="19" grpId="0" animBg="1"/>
-    </p:bldLst>
   </p:timing>
 </p:sld>
 </file>
@@ -11449,7 +12490,7 @@
         <p:spPr>
           <a:xfrm>
             <a:off x="818615" y="1232589"/>
-            <a:ext cx="1922161" cy="1323439"/>
+            <a:ext cx="1922161" cy="1569660"/>
           </a:xfrm>
           <a:prstGeom prst="rect">
             <a:avLst/>
@@ -11463,6 +12504,10 @@
           <a:lstStyle/>
           <a:p>
             <a:r>
+              <a:rPr lang="ko-KR" altLang="en-US" sz="1600" dirty="0" smtClean="0"/>
+              <a:t>암호화된 요양기호</a:t>
+            </a:r>
+            <a:r>
               <a:rPr lang="en-US" altLang="ko-KR" sz="1600" dirty="0" smtClean="0"/>
               <a:t>Ex) JDQ4MTAxMiM1MSMkMSMkMCMkODkkMzgxMzUxIzExIyQxI</a:t>
             </a:r>
@@ -11475,14 +12520,14 @@
       </p:sp>
       <p:sp>
         <p:nvSpPr>
-          <p:cNvPr id="33" name="TextBox 32"/>
+          <p:cNvPr id="16" name="TextBox 15"/>
           <p:cNvSpPr txBox="1"/>
           <p:nvPr/>
         </p:nvSpPr>
         <p:spPr>
           <a:xfrm>
-            <a:off x="9228348" y="1226509"/>
-            <a:ext cx="1922161" cy="1323439"/>
+            <a:off x="9276527" y="1232589"/>
+            <a:ext cx="1922161" cy="1569660"/>
           </a:xfrm>
           <a:prstGeom prst="rect">
             <a:avLst/>
@@ -11495,6 +12540,10 @@
           </a:bodyPr>
           <a:lstStyle/>
           <a:p>
+            <a:r>
+              <a:rPr lang="ko-KR" altLang="en-US" sz="1600" dirty="0" smtClean="0"/>
+              <a:t>암호화된 요양기호</a:t>
+            </a:r>
             <a:r>
               <a:rPr lang="en-US" altLang="ko-KR" sz="1600" dirty="0" smtClean="0"/>
               <a:t>Ex) JDQ4MTAxMiM1MSMkMSMkMCMkODkkMzgxMzUxIzExIyQxI</a:t>
@@ -11519,139 +12568,9 @@
   <p:timing>
     <p:tnLst>
       <p:par>
-        <p:cTn id="1" dur="indefinite" restart="never" nodeType="tmRoot">
-          <p:childTnLst>
-            <p:seq concurrent="1" nextAc="seek">
-              <p:cTn id="2" dur="indefinite" nodeType="mainSeq">
-                <p:childTnLst>
-                  <p:par>
-                    <p:cTn id="3" fill="hold">
-                      <p:stCondLst>
-                        <p:cond delay="indefinite"/>
-                        <p:cond evt="onBegin" delay="0">
-                          <p:tn val="2"/>
-                        </p:cond>
-                      </p:stCondLst>
-                      <p:childTnLst>
-                        <p:par>
-                          <p:cTn id="4" fill="hold">
-                            <p:stCondLst>
-                              <p:cond delay="0"/>
-                            </p:stCondLst>
-                            <p:childTnLst>
-                              <p:par>
-                                <p:cTn id="5" presetID="1" presetClass="entr" presetSubtype="0" fill="hold" grpId="0" nodeType="withEffect">
-                                  <p:stCondLst>
-                                    <p:cond delay="0"/>
-                                  </p:stCondLst>
-                                  <p:childTnLst>
-                                    <p:set>
-                                      <p:cBhvr>
-                                        <p:cTn id="6" dur="1" fill="hold">
-                                          <p:stCondLst>
-                                            <p:cond delay="0"/>
-                                          </p:stCondLst>
-                                        </p:cTn>
-                                        <p:tgtEl>
-                                          <p:spTgt spid="13"/>
-                                        </p:tgtEl>
-                                        <p:attrNameLst>
-                                          <p:attrName>style.visibility</p:attrName>
-                                        </p:attrNameLst>
-                                      </p:cBhvr>
-                                      <p:to>
-                                        <p:strVal val="visible"/>
-                                      </p:to>
-                                    </p:set>
-                                  </p:childTnLst>
-                                </p:cTn>
-                              </p:par>
-                              <p:par>
-                                <p:cTn id="7" presetID="1" presetClass="entr" presetSubtype="0" fill="hold" grpId="0" nodeType="withEffect">
-                                  <p:stCondLst>
-                                    <p:cond delay="0"/>
-                                  </p:stCondLst>
-                                  <p:childTnLst>
-                                    <p:set>
-                                      <p:cBhvr>
-                                        <p:cTn id="8" dur="1" fill="hold">
-                                          <p:stCondLst>
-                                            <p:cond delay="0"/>
-                                          </p:stCondLst>
-                                        </p:cTn>
-                                        <p:tgtEl>
-                                          <p:spTgt spid="14"/>
-                                        </p:tgtEl>
-                                        <p:attrNameLst>
-                                          <p:attrName>style.visibility</p:attrName>
-                                        </p:attrNameLst>
-                                      </p:cBhvr>
-                                      <p:to>
-                                        <p:strVal val="visible"/>
-                                      </p:to>
-                                    </p:set>
-                                  </p:childTnLst>
-                                </p:cTn>
-                              </p:par>
-                              <p:par>
-                                <p:cTn id="9" presetID="1" presetClass="entr" presetSubtype="0" fill="hold" grpId="0" nodeType="withEffect">
-                                  <p:stCondLst>
-                                    <p:cond delay="0"/>
-                                  </p:stCondLst>
-                                  <p:childTnLst>
-                                    <p:set>
-                                      <p:cBhvr>
-                                        <p:cTn id="10" dur="1" fill="hold">
-                                          <p:stCondLst>
-                                            <p:cond delay="0"/>
-                                          </p:stCondLst>
-                                        </p:cTn>
-                                        <p:tgtEl>
-                                          <p:spTgt spid="15"/>
-                                        </p:tgtEl>
-                                        <p:attrNameLst>
-                                          <p:attrName>style.visibility</p:attrName>
-                                        </p:attrNameLst>
-                                      </p:cBhvr>
-                                      <p:to>
-                                        <p:strVal val="visible"/>
-                                      </p:to>
-                                    </p:set>
-                                  </p:childTnLst>
-                                </p:cTn>
-                              </p:par>
-                            </p:childTnLst>
-                          </p:cTn>
-                        </p:par>
-                      </p:childTnLst>
-                    </p:cTn>
-                  </p:par>
-                </p:childTnLst>
-              </p:cTn>
-              <p:prevCondLst>
-                <p:cond evt="onPrev" delay="0">
-                  <p:tgtEl>
-                    <p:sldTgt/>
-                  </p:tgtEl>
-                </p:cond>
-              </p:prevCondLst>
-              <p:nextCondLst>
-                <p:cond evt="onNext" delay="0">
-                  <p:tgtEl>
-                    <p:sldTgt/>
-                  </p:tgtEl>
-                </p:cond>
-              </p:nextCondLst>
-            </p:seq>
-          </p:childTnLst>
-        </p:cTn>
+        <p:cTn id="1" dur="indefinite" restart="never" nodeType="tmRoot"/>
       </p:par>
     </p:tnLst>
-    <p:bldLst>
-      <p:bldP spid="13" grpId="0" animBg="1"/>
-      <p:bldP spid="14" grpId="0" animBg="1"/>
-      <p:bldP spid="15" grpId="0" animBg="1"/>
-    </p:bldLst>
   </p:timing>
 </p:sld>
 </file>
@@ -11803,10 +12722,334 @@
           </a:p>
         </p:txBody>
       </p:sp>
+      <p:sp>
+        <p:nvSpPr>
+          <p:cNvPr id="3" name="TextBox 2"/>
+          <p:cNvSpPr txBox="1"/>
+          <p:nvPr/>
+        </p:nvSpPr>
+        <p:spPr>
+          <a:xfrm>
+            <a:off x="1367782" y="4457633"/>
+            <a:ext cx="9097362" cy="1384995"/>
+          </a:xfrm>
+          <a:prstGeom prst="rect">
+            <a:avLst/>
+          </a:prstGeom>
+          <a:noFill/>
+        </p:spPr>
+        <p:txBody>
+          <a:bodyPr wrap="none" rtlCol="0">
+            <a:spAutoFit/>
+          </a:bodyPr>
+          <a:lstStyle/>
+          <a:p>
+            <a:pPr>
+              <a:lnSpc>
+                <a:spcPct val="150000"/>
+              </a:lnSpc>
+            </a:pPr>
+            <a:r>
+              <a:rPr lang="ko-KR" altLang="en-US" sz="2800" dirty="0" smtClean="0">
+                <a:latin typeface="+mn-ea"/>
+              </a:rPr>
+              <a:t>데이터를 하나의 테이블에서 처리 </a:t>
+            </a:r>
+            <a:r>
+              <a:rPr lang="en-US" altLang="ko-KR" sz="2800" dirty="0" smtClean="0">
+                <a:latin typeface="+mn-ea"/>
+              </a:rPr>
+              <a:t>· </a:t>
+            </a:r>
+            <a:r>
+              <a:rPr lang="ko-KR" altLang="en-US" sz="2800" dirty="0" smtClean="0">
+                <a:latin typeface="+mn-ea"/>
+              </a:rPr>
+              <a:t>분석하기 위해</a:t>
+            </a:r>
+            <a:endParaRPr lang="en-US" altLang="ko-KR" sz="2800" dirty="0" smtClean="0">
+              <a:latin typeface="+mn-ea"/>
+            </a:endParaRPr>
+          </a:p>
+          <a:p>
+            <a:pPr>
+              <a:lnSpc>
+                <a:spcPct val="150000"/>
+              </a:lnSpc>
+            </a:pPr>
+            <a:r>
+              <a:rPr lang="ko-KR" altLang="en-US" sz="2800" dirty="0" smtClean="0">
+                <a:latin typeface="+mn-ea"/>
+              </a:rPr>
+              <a:t>분할된 위 세 개의 데이터를 하나로 통합하는 작업을 함</a:t>
+            </a:r>
+          </a:p>
+        </p:txBody>
+      </p:sp>
+      <p:grpSp>
+        <p:nvGrpSpPr>
+          <p:cNvPr id="10" name="그룹 9"/>
+          <p:cNvGrpSpPr/>
+          <p:nvPr/>
+        </p:nvGrpSpPr>
+        <p:grpSpPr>
+          <a:xfrm>
+            <a:off x="983432" y="1916832"/>
+            <a:ext cx="10153128" cy="2160240"/>
+            <a:chOff x="1127448" y="1700808"/>
+            <a:chExt cx="10153128" cy="2160240"/>
+          </a:xfrm>
+        </p:grpSpPr>
+        <p:sp>
+          <p:nvSpPr>
+            <p:cNvPr id="7" name="직사각형 6"/>
+            <p:cNvSpPr/>
+            <p:nvPr/>
+          </p:nvSpPr>
+          <p:spPr>
+            <a:xfrm>
+              <a:off x="4788919" y="2032690"/>
+              <a:ext cx="2561607" cy="575089"/>
+            </a:xfrm>
+            <a:prstGeom prst="rect">
+              <a:avLst/>
+            </a:prstGeom>
+            <a:solidFill>
+              <a:srgbClr val="404551">
+                <a:alpha val="90000"/>
+              </a:srgbClr>
+            </a:solidFill>
+            <a:ln>
+              <a:noFill/>
+            </a:ln>
+          </p:spPr>
+          <p:style>
+            <a:lnRef idx="2">
+              <a:schemeClr val="accent1">
+                <a:shade val="50000"/>
+              </a:schemeClr>
+            </a:lnRef>
+            <a:fillRef idx="1">
+              <a:schemeClr val="accent1"/>
+            </a:fillRef>
+            <a:effectRef idx="0">
+              <a:schemeClr val="accent1"/>
+            </a:effectRef>
+            <a:fontRef idx="minor">
+              <a:schemeClr val="lt1"/>
+            </a:fontRef>
+          </p:style>
+          <p:txBody>
+            <a:bodyPr rtlCol="0" anchor="ctr"/>
+            <a:lstStyle/>
+            <a:p>
+              <a:pPr algn="ctr"/>
+              <a:r>
+                <a:rPr lang="ko-KR" altLang="en-US" sz="2400" b="1" dirty="0" smtClean="0">
+                  <a:latin typeface="+mn-ea"/>
+                </a:rPr>
+                <a:t>병원 정보 서비스</a:t>
+              </a:r>
+              <a:endParaRPr lang="ko-KR" altLang="en-US" sz="2400" b="1" dirty="0">
+                <a:latin typeface="+mn-ea"/>
+              </a:endParaRPr>
+            </a:p>
+          </p:txBody>
+        </p:sp>
+        <p:sp>
+          <p:nvSpPr>
+            <p:cNvPr id="8" name="직사각형 7"/>
+            <p:cNvSpPr/>
+            <p:nvPr/>
+          </p:nvSpPr>
+          <p:spPr>
+            <a:xfrm>
+              <a:off x="1701174" y="2882170"/>
+              <a:ext cx="4248960" cy="575089"/>
+            </a:xfrm>
+            <a:prstGeom prst="rect">
+              <a:avLst/>
+            </a:prstGeom>
+            <a:solidFill>
+              <a:srgbClr val="404551">
+                <a:alpha val="90000"/>
+              </a:srgbClr>
+            </a:solidFill>
+            <a:ln>
+              <a:noFill/>
+            </a:ln>
+          </p:spPr>
+          <p:style>
+            <a:lnRef idx="2">
+              <a:schemeClr val="accent1">
+                <a:shade val="50000"/>
+              </a:schemeClr>
+            </a:lnRef>
+            <a:fillRef idx="1">
+              <a:schemeClr val="accent1"/>
+            </a:fillRef>
+            <a:effectRef idx="0">
+              <a:schemeClr val="accent1"/>
+            </a:effectRef>
+            <a:fontRef idx="minor">
+              <a:schemeClr val="lt1"/>
+            </a:fontRef>
+          </p:style>
+          <p:txBody>
+            <a:bodyPr rtlCol="0" anchor="ctr"/>
+            <a:lstStyle/>
+            <a:p>
+              <a:pPr algn="ctr"/>
+              <a:r>
+                <a:rPr lang="ko-KR" altLang="en-US" sz="2400" b="1" smtClean="0">
+                  <a:latin typeface="+mn-ea"/>
+                </a:rPr>
+                <a:t>의료기관별 상세정보 서비스</a:t>
+              </a:r>
+              <a:endParaRPr lang="ko-KR" altLang="en-US" sz="2400" b="1" dirty="0">
+                <a:latin typeface="+mn-ea"/>
+              </a:endParaRPr>
+            </a:p>
+          </p:txBody>
+        </p:sp>
+        <p:sp>
+          <p:nvSpPr>
+            <p:cNvPr id="9" name="직사각형 8"/>
+            <p:cNvSpPr/>
+            <p:nvPr/>
+          </p:nvSpPr>
+          <p:spPr>
+            <a:xfrm>
+              <a:off x="6240016" y="2882169"/>
+              <a:ext cx="4536504" cy="575089"/>
+            </a:xfrm>
+            <a:prstGeom prst="rect">
+              <a:avLst/>
+            </a:prstGeom>
+            <a:solidFill>
+              <a:srgbClr val="404551">
+                <a:alpha val="90000"/>
+              </a:srgbClr>
+            </a:solidFill>
+            <a:ln>
+              <a:noFill/>
+            </a:ln>
+          </p:spPr>
+          <p:style>
+            <a:lnRef idx="2">
+              <a:schemeClr val="accent1">
+                <a:shade val="50000"/>
+              </a:schemeClr>
+            </a:lnRef>
+            <a:fillRef idx="1">
+              <a:schemeClr val="accent1"/>
+            </a:fillRef>
+            <a:effectRef idx="0">
+              <a:schemeClr val="accent1"/>
+            </a:effectRef>
+            <a:fontRef idx="minor">
+              <a:schemeClr val="lt1"/>
+            </a:fontRef>
+          </p:style>
+          <p:txBody>
+            <a:bodyPr rtlCol="0" anchor="ctr"/>
+            <a:lstStyle/>
+            <a:p>
+              <a:pPr algn="ctr"/>
+              <a:r>
+                <a:rPr lang="ko-KR" altLang="en-US" sz="2400" b="1" dirty="0" smtClean="0">
+                  <a:latin typeface="+mn-ea"/>
+                </a:rPr>
+                <a:t>병원 평가결과 정보조회 서비스</a:t>
+              </a:r>
+              <a:endParaRPr lang="ko-KR" altLang="en-US" sz="2400" b="1" dirty="0">
+                <a:latin typeface="+mn-ea"/>
+              </a:endParaRPr>
+            </a:p>
+          </p:txBody>
+        </p:sp>
+        <p:sp>
+          <p:nvSpPr>
+            <p:cNvPr id="6" name="모서리가 둥근 직사각형 5"/>
+            <p:cNvSpPr/>
+            <p:nvPr/>
+          </p:nvSpPr>
+          <p:spPr>
+            <a:xfrm>
+              <a:off x="1127448" y="1700808"/>
+              <a:ext cx="10153128" cy="2160240"/>
+            </a:xfrm>
+            <a:prstGeom prst="roundRect">
+              <a:avLst/>
+            </a:prstGeom>
+            <a:noFill/>
+            <a:ln w="28575">
+              <a:solidFill>
+                <a:srgbClr val="FF9A8B"/>
+              </a:solidFill>
+            </a:ln>
+          </p:spPr>
+          <p:style>
+            <a:lnRef idx="2">
+              <a:schemeClr val="accent1">
+                <a:shade val="50000"/>
+              </a:schemeClr>
+            </a:lnRef>
+            <a:fillRef idx="1">
+              <a:schemeClr val="accent1"/>
+            </a:fillRef>
+            <a:effectRef idx="0">
+              <a:schemeClr val="accent1"/>
+            </a:effectRef>
+            <a:fontRef idx="minor">
+              <a:schemeClr val="lt1"/>
+            </a:fontRef>
+          </p:style>
+          <p:txBody>
+            <a:bodyPr rtlCol="0" anchor="ctr"/>
+            <a:lstStyle/>
+            <a:p>
+              <a:pPr algn="ctr"/>
+              <a:endParaRPr lang="ko-KR" altLang="en-US"/>
+            </a:p>
+          </p:txBody>
+        </p:sp>
+      </p:grpSp>
+      <p:sp>
+        <p:nvSpPr>
+          <p:cNvPr id="11" name="TextBox 10"/>
+          <p:cNvSpPr txBox="1"/>
+          <p:nvPr/>
+        </p:nvSpPr>
+        <p:spPr>
+          <a:xfrm>
+            <a:off x="1271464" y="1457804"/>
+            <a:ext cx="1107996" cy="461665"/>
+          </a:xfrm>
+          <a:prstGeom prst="rect">
+            <a:avLst/>
+          </a:prstGeom>
+          <a:noFill/>
+        </p:spPr>
+        <p:txBody>
+          <a:bodyPr wrap="none" rtlCol="0">
+            <a:spAutoFit/>
+          </a:bodyPr>
+          <a:lstStyle/>
+          <a:p>
+            <a:r>
+              <a:rPr lang="ko-KR" altLang="en-US" sz="2400" dirty="0" smtClean="0">
+                <a:latin typeface="+mn-ea"/>
+              </a:rPr>
+              <a:t>테이블</a:t>
+            </a:r>
+          </a:p>
+        </p:txBody>
+      </p:sp>
     </p:spTree>
     <p:extLst>
       <p:ext uri="{BB962C8B-B14F-4D97-AF65-F5344CB8AC3E}">
-        <p14:creationId xmlns:p14="http://schemas.microsoft.com/office/powerpoint/2010/main" val="321286036"/>
+        <p14:creationId xmlns:p14="http://schemas.microsoft.com/office/powerpoint/2010/main" val="1070615819"/>
       </p:ext>
     </p:extLst>
   </p:cSld>
@@ -11897,7 +13140,7 @@
         <p:spPr>
           <a:xfrm>
             <a:off x="357351" y="190705"/>
-            <a:ext cx="2417650" cy="707886"/>
+            <a:ext cx="4785284" cy="707886"/>
           </a:xfrm>
           <a:prstGeom prst="rect">
             <a:avLst/>
@@ -11914,9 +13157,27 @@
               <a:rPr lang="ko-KR" altLang="en-US" sz="4000" dirty="0" smtClean="0">
                 <a:latin typeface="+mn-ea"/>
               </a:rPr>
-              <a:t>진행 상황</a:t>
-            </a:r>
-            <a:endParaRPr lang="ko-KR" altLang="en-US" sz="4000" dirty="0">
+              <a:t>진행 상황 </a:t>
+            </a:r>
+            <a:r>
+              <a:rPr lang="en-US" altLang="ko-KR" sz="2000" dirty="0" smtClean="0">
+                <a:latin typeface="+mn-ea"/>
+              </a:rPr>
+              <a:t>-</a:t>
+            </a:r>
+            <a:r>
+              <a:rPr lang="ko-KR" altLang="en-US" sz="2000" dirty="0" smtClean="0">
+                <a:latin typeface="+mn-ea"/>
+              </a:rPr>
+              <a:t>병원정보 서비스</a:t>
+            </a:r>
+            <a:r>
+              <a:rPr lang="en-US" altLang="ko-KR" sz="2000" dirty="0" smtClean="0">
+                <a:latin typeface="+mn-ea"/>
+              </a:rPr>
+              <a:t>-</a:t>
+            </a:r>
+            <a:endParaRPr lang="ko-KR" altLang="en-US" sz="2000" dirty="0">
               <a:latin typeface="+mn-ea"/>
             </a:endParaRPr>
           </a:p>
@@ -11970,10 +13231,383 @@
           </a:p>
         </p:txBody>
       </p:sp>
+      <p:pic>
+        <p:nvPicPr>
+          <p:cNvPr id="2" name="그림 1"/>
+          <p:cNvPicPr>
+            <a:picLocks noChangeAspect="1"/>
+          </p:cNvPicPr>
+          <p:nvPr/>
+        </p:nvPicPr>
+        <p:blipFill rotWithShape="1">
+          <a:blip r:embed="rId2"/>
+          <a:srcRect l="1395" t="14300" r="48105" b="31100"/>
+          <a:stretch/>
+        </p:blipFill>
+        <p:spPr>
+          <a:xfrm>
+            <a:off x="357216" y="1168105"/>
+            <a:ext cx="8317594" cy="5406436"/>
+          </a:xfrm>
+          <a:prstGeom prst="rect">
+            <a:avLst/>
+          </a:prstGeom>
+        </p:spPr>
+      </p:pic>
+      <p:sp>
+        <p:nvSpPr>
+          <p:cNvPr id="6" name="직사각형 5"/>
+          <p:cNvSpPr/>
+          <p:nvPr/>
+        </p:nvSpPr>
+        <p:spPr>
+          <a:xfrm>
+            <a:off x="839416" y="1168105"/>
+            <a:ext cx="2520280" cy="1180775"/>
+          </a:xfrm>
+          <a:prstGeom prst="rect">
+            <a:avLst/>
+          </a:prstGeom>
+          <a:noFill/>
+          <a:ln w="25400">
+            <a:solidFill>
+              <a:srgbClr val="FF0000"/>
+            </a:solidFill>
+          </a:ln>
+        </p:spPr>
+        <p:style>
+          <a:lnRef idx="2">
+            <a:schemeClr val="accent1">
+              <a:shade val="50000"/>
+            </a:schemeClr>
+          </a:lnRef>
+          <a:fillRef idx="1">
+            <a:schemeClr val="accent1"/>
+          </a:fillRef>
+          <a:effectRef idx="0">
+            <a:schemeClr val="accent1"/>
+          </a:effectRef>
+          <a:fontRef idx="minor">
+            <a:schemeClr val="lt1"/>
+          </a:fontRef>
+        </p:style>
+        <p:txBody>
+          <a:bodyPr rtlCol="0" anchor="ctr"/>
+          <a:lstStyle/>
+          <a:p>
+            <a:pPr algn="ctr"/>
+            <a:endParaRPr lang="ko-KR" altLang="en-US"/>
+          </a:p>
+        </p:txBody>
+      </p:sp>
+      <p:sp>
+        <p:nvSpPr>
+          <p:cNvPr id="8" name="직사각형 7"/>
+          <p:cNvSpPr/>
+          <p:nvPr/>
+        </p:nvSpPr>
+        <p:spPr>
+          <a:xfrm>
+            <a:off x="854712" y="2852936"/>
+            <a:ext cx="7820098" cy="1180775"/>
+          </a:xfrm>
+          <a:prstGeom prst="rect">
+            <a:avLst/>
+          </a:prstGeom>
+          <a:noFill/>
+          <a:ln w="25400">
+            <a:solidFill>
+              <a:srgbClr val="FF0000"/>
+            </a:solidFill>
+          </a:ln>
+        </p:spPr>
+        <p:style>
+          <a:lnRef idx="2">
+            <a:schemeClr val="accent1">
+              <a:shade val="50000"/>
+            </a:schemeClr>
+          </a:lnRef>
+          <a:fillRef idx="1">
+            <a:schemeClr val="accent1"/>
+          </a:fillRef>
+          <a:effectRef idx="0">
+            <a:schemeClr val="accent1"/>
+          </a:effectRef>
+          <a:fontRef idx="minor">
+            <a:schemeClr val="lt1"/>
+          </a:fontRef>
+        </p:style>
+        <p:txBody>
+          <a:bodyPr rtlCol="0" anchor="ctr"/>
+          <a:lstStyle/>
+          <a:p>
+            <a:pPr algn="ctr"/>
+            <a:endParaRPr lang="ko-KR" altLang="en-US"/>
+          </a:p>
+        </p:txBody>
+      </p:sp>
+      <p:sp>
+        <p:nvSpPr>
+          <p:cNvPr id="9" name="직사각형 8"/>
+          <p:cNvSpPr/>
+          <p:nvPr/>
+        </p:nvSpPr>
+        <p:spPr>
+          <a:xfrm>
+            <a:off x="839416" y="4149080"/>
+            <a:ext cx="2520280" cy="251001"/>
+          </a:xfrm>
+          <a:prstGeom prst="rect">
+            <a:avLst/>
+          </a:prstGeom>
+          <a:noFill/>
+          <a:ln w="25400">
+            <a:solidFill>
+              <a:srgbClr val="FF0000"/>
+            </a:solidFill>
+          </a:ln>
+        </p:spPr>
+        <p:style>
+          <a:lnRef idx="2">
+            <a:schemeClr val="accent1">
+              <a:shade val="50000"/>
+            </a:schemeClr>
+          </a:lnRef>
+          <a:fillRef idx="1">
+            <a:schemeClr val="accent1"/>
+          </a:fillRef>
+          <a:effectRef idx="0">
+            <a:schemeClr val="accent1"/>
+          </a:effectRef>
+          <a:fontRef idx="minor">
+            <a:schemeClr val="lt1"/>
+          </a:fontRef>
+        </p:style>
+        <p:txBody>
+          <a:bodyPr rtlCol="0" anchor="ctr"/>
+          <a:lstStyle/>
+          <a:p>
+            <a:pPr algn="ctr"/>
+            <a:endParaRPr lang="ko-KR" altLang="en-US"/>
+          </a:p>
+        </p:txBody>
+      </p:sp>
+      <p:sp>
+        <p:nvSpPr>
+          <p:cNvPr id="10" name="직사각형 9"/>
+          <p:cNvSpPr/>
+          <p:nvPr/>
+        </p:nvSpPr>
+        <p:spPr>
+          <a:xfrm>
+            <a:off x="839416" y="4544099"/>
+            <a:ext cx="7820098" cy="1010908"/>
+          </a:xfrm>
+          <a:prstGeom prst="rect">
+            <a:avLst/>
+          </a:prstGeom>
+          <a:noFill/>
+          <a:ln w="25400">
+            <a:solidFill>
+              <a:srgbClr val="FF0000"/>
+            </a:solidFill>
+          </a:ln>
+        </p:spPr>
+        <p:style>
+          <a:lnRef idx="2">
+            <a:schemeClr val="accent1">
+              <a:shade val="50000"/>
+            </a:schemeClr>
+          </a:lnRef>
+          <a:fillRef idx="1">
+            <a:schemeClr val="accent1"/>
+          </a:fillRef>
+          <a:effectRef idx="0">
+            <a:schemeClr val="accent1"/>
+          </a:effectRef>
+          <a:fontRef idx="minor">
+            <a:schemeClr val="lt1"/>
+          </a:fontRef>
+        </p:style>
+        <p:txBody>
+          <a:bodyPr rtlCol="0" anchor="ctr"/>
+          <a:lstStyle/>
+          <a:p>
+            <a:pPr algn="ctr"/>
+            <a:endParaRPr lang="ko-KR" altLang="en-US"/>
+          </a:p>
+        </p:txBody>
+      </p:sp>
+      <p:sp>
+        <p:nvSpPr>
+          <p:cNvPr id="7" name="TextBox 6"/>
+          <p:cNvSpPr txBox="1"/>
+          <p:nvPr/>
+        </p:nvSpPr>
+        <p:spPr>
+          <a:xfrm>
+            <a:off x="3818232" y="1767438"/>
+            <a:ext cx="7301999" cy="369332"/>
+          </a:xfrm>
+          <a:prstGeom prst="rect">
+            <a:avLst/>
+          </a:prstGeom>
+          <a:noFill/>
+        </p:spPr>
+        <p:txBody>
+          <a:bodyPr wrap="none" rtlCol="0">
+            <a:spAutoFit/>
+          </a:bodyPr>
+          <a:lstStyle/>
+          <a:p>
+            <a:r>
+              <a:rPr lang="en-US" altLang="ko-KR" dirty="0" smtClean="0">
+                <a:latin typeface="+mn-ea"/>
+              </a:rPr>
+              <a:t>XML</a:t>
+            </a:r>
+            <a:r>
+              <a:rPr lang="ko-KR" altLang="en-US" dirty="0" smtClean="0">
+                <a:latin typeface="+mn-ea"/>
+              </a:rPr>
+              <a:t>형식의 데이터를 다루고 페이지를 읽기 위해 패키지설치 및 호출</a:t>
+            </a:r>
+          </a:p>
+        </p:txBody>
+      </p:sp>
+      <p:sp>
+        <p:nvSpPr>
+          <p:cNvPr id="12" name="TextBox 11"/>
+          <p:cNvSpPr txBox="1"/>
+          <p:nvPr/>
+        </p:nvSpPr>
+        <p:spPr>
+          <a:xfrm>
+            <a:off x="8762839" y="2852936"/>
+            <a:ext cx="3019257" cy="646331"/>
+          </a:xfrm>
+          <a:prstGeom prst="rect">
+            <a:avLst/>
+          </a:prstGeom>
+          <a:noFill/>
+        </p:spPr>
+        <p:txBody>
+          <a:bodyPr wrap="square" rtlCol="0">
+            <a:spAutoFit/>
+          </a:bodyPr>
+          <a:lstStyle/>
+          <a:p>
+            <a:r>
+              <a:rPr lang="ko-KR" altLang="en-US" dirty="0" smtClean="0">
+                <a:latin typeface="+mn-ea"/>
+              </a:rPr>
+              <a:t>병원정보를 가져올 수 있는 </a:t>
+            </a:r>
+            <a:r>
+              <a:rPr lang="en-US" altLang="ko-KR" dirty="0" smtClean="0">
+                <a:latin typeface="+mn-ea"/>
+              </a:rPr>
+              <a:t>URL</a:t>
+            </a:r>
+            <a:r>
+              <a:rPr lang="ko-KR" altLang="en-US" dirty="0" smtClean="0">
+                <a:latin typeface="+mn-ea"/>
+              </a:rPr>
+              <a:t>을 만듦</a:t>
+            </a:r>
+          </a:p>
+        </p:txBody>
+      </p:sp>
+      <p:sp>
+        <p:nvSpPr>
+          <p:cNvPr id="13" name="TextBox 12"/>
+          <p:cNvSpPr txBox="1"/>
+          <p:nvPr/>
+        </p:nvSpPr>
+        <p:spPr>
+          <a:xfrm>
+            <a:off x="3431704" y="4103546"/>
+            <a:ext cx="5760640" cy="369332"/>
+          </a:xfrm>
+          <a:prstGeom prst="rect">
+            <a:avLst/>
+          </a:prstGeom>
+          <a:noFill/>
+        </p:spPr>
+        <p:txBody>
+          <a:bodyPr wrap="square" rtlCol="0">
+            <a:spAutoFit/>
+          </a:bodyPr>
+          <a:lstStyle/>
+          <a:p>
+            <a:r>
+              <a:rPr lang="ko-KR" altLang="en-US" dirty="0" smtClean="0">
+                <a:latin typeface="+mn-ea"/>
+              </a:rPr>
+              <a:t>병원정보가 저장될 테이블을 만들어 놓음</a:t>
+            </a:r>
+          </a:p>
+        </p:txBody>
+      </p:sp>
+      <p:sp>
+        <p:nvSpPr>
+          <p:cNvPr id="14" name="TextBox 13"/>
+          <p:cNvSpPr txBox="1"/>
+          <p:nvPr/>
+        </p:nvSpPr>
+        <p:spPr>
+          <a:xfrm>
+            <a:off x="8762839" y="4544099"/>
+            <a:ext cx="3168352" cy="1477328"/>
+          </a:xfrm>
+          <a:prstGeom prst="rect">
+            <a:avLst/>
+          </a:prstGeom>
+          <a:noFill/>
+        </p:spPr>
+        <p:txBody>
+          <a:bodyPr wrap="square" rtlCol="0">
+            <a:spAutoFit/>
+          </a:bodyPr>
+          <a:lstStyle/>
+          <a:p>
+            <a:r>
+              <a:rPr lang="ko-KR" altLang="en-US" dirty="0" smtClean="0">
+                <a:latin typeface="+mn-ea"/>
+              </a:rPr>
+              <a:t>총 병원정보의 수를 카운트하기 위해 첫 번째 페이지를 읽어와 </a:t>
+            </a:r>
+            <a:r>
+              <a:rPr lang="en-US" altLang="ko-KR" dirty="0" smtClean="0">
+                <a:latin typeface="+mn-ea"/>
+              </a:rPr>
+              <a:t>XML</a:t>
+            </a:r>
+            <a:r>
+              <a:rPr lang="ko-KR" altLang="en-US" dirty="0" smtClean="0">
+                <a:latin typeface="+mn-ea"/>
+              </a:rPr>
+              <a:t>을 데이터프레임 형식으로 바꾼 후 </a:t>
+            </a:r>
+            <a:r>
+              <a:rPr lang="en-US" altLang="ko-KR" dirty="0" smtClean="0">
+                <a:latin typeface="+mn-ea"/>
+              </a:rPr>
+              <a:t>XML</a:t>
+            </a:r>
+            <a:r>
+              <a:rPr lang="ko-KR" altLang="en-US" dirty="0" smtClean="0">
+                <a:latin typeface="+mn-ea"/>
+              </a:rPr>
+              <a:t>내에 있던 총 자료개수를 얻어옴</a:t>
+            </a:r>
+          </a:p>
+        </p:txBody>
+      </p:sp>
     </p:spTree>
     <p:extLst>
       <p:ext uri="{BB962C8B-B14F-4D97-AF65-F5344CB8AC3E}">
-        <p14:creationId xmlns:p14="http://schemas.microsoft.com/office/powerpoint/2010/main" val="3636713445"/>
+        <p14:creationId xmlns:p14="http://schemas.microsoft.com/office/powerpoint/2010/main" val="321286036"/>
       </p:ext>
     </p:extLst>
   </p:cSld>
@@ -12057,40 +13691,6 @@
       </p:sp>
       <p:sp>
         <p:nvSpPr>
-          <p:cNvPr id="5" name="TextBox 4"/>
-          <p:cNvSpPr txBox="1"/>
-          <p:nvPr/>
-        </p:nvSpPr>
-        <p:spPr>
-          <a:xfrm>
-            <a:off x="357351" y="190705"/>
-            <a:ext cx="2417650" cy="707886"/>
-          </a:xfrm>
-          <a:prstGeom prst="rect">
-            <a:avLst/>
-          </a:prstGeom>
-          <a:noFill/>
-        </p:spPr>
-        <p:txBody>
-          <a:bodyPr wrap="none" rtlCol="0">
-            <a:spAutoFit/>
-          </a:bodyPr>
-          <a:lstStyle/>
-          <a:p>
-            <a:r>
-              <a:rPr lang="ko-KR" altLang="en-US" sz="4000" dirty="0" smtClean="0">
-                <a:latin typeface="+mn-ea"/>
-              </a:rPr>
-              <a:t>향후 계획</a:t>
-            </a:r>
-            <a:endParaRPr lang="ko-KR" altLang="en-US" sz="4000" dirty="0">
-              <a:latin typeface="+mn-ea"/>
-            </a:endParaRPr>
-          </a:p>
-        </p:txBody>
-      </p:sp>
-      <p:sp>
-        <p:nvSpPr>
           <p:cNvPr id="32" name="사다리꼴 31"/>
           <p:cNvSpPr/>
           <p:nvPr/>
@@ -12137,10 +13737,507 @@
           </a:p>
         </p:txBody>
       </p:sp>
+      <p:pic>
+        <p:nvPicPr>
+          <p:cNvPr id="2" name="그림 1"/>
+          <p:cNvPicPr>
+            <a:picLocks noChangeAspect="1"/>
+          </p:cNvPicPr>
+          <p:nvPr/>
+        </p:nvPicPr>
+        <p:blipFill rotWithShape="1">
+          <a:blip r:embed="rId2"/>
+          <a:srcRect l="1265" t="29218" r="48168" b="13250"/>
+          <a:stretch/>
+        </p:blipFill>
+        <p:spPr>
+          <a:xfrm>
+            <a:off x="370820" y="1196751"/>
+            <a:ext cx="7885419" cy="5400781"/>
+          </a:xfrm>
+          <a:prstGeom prst="rect">
+            <a:avLst/>
+          </a:prstGeom>
+        </p:spPr>
+      </p:pic>
+      <p:sp>
+        <p:nvSpPr>
+          <p:cNvPr id="6" name="직사각형 5"/>
+          <p:cNvSpPr/>
+          <p:nvPr/>
+        </p:nvSpPr>
+        <p:spPr>
+          <a:xfrm>
+            <a:off x="983432" y="1605115"/>
+            <a:ext cx="4752528" cy="959789"/>
+          </a:xfrm>
+          <a:prstGeom prst="rect">
+            <a:avLst/>
+          </a:prstGeom>
+          <a:noFill/>
+          <a:ln w="25400">
+            <a:solidFill>
+              <a:srgbClr val="FF0000"/>
+            </a:solidFill>
+          </a:ln>
+        </p:spPr>
+        <p:style>
+          <a:lnRef idx="2">
+            <a:schemeClr val="accent1">
+              <a:shade val="50000"/>
+            </a:schemeClr>
+          </a:lnRef>
+          <a:fillRef idx="1">
+            <a:schemeClr val="accent1"/>
+          </a:fillRef>
+          <a:effectRef idx="0">
+            <a:schemeClr val="accent1"/>
+          </a:effectRef>
+          <a:fontRef idx="minor">
+            <a:schemeClr val="lt1"/>
+          </a:fontRef>
+        </p:style>
+        <p:txBody>
+          <a:bodyPr rtlCol="0" anchor="ctr"/>
+          <a:lstStyle/>
+          <a:p>
+            <a:pPr algn="ctr"/>
+            <a:endParaRPr lang="ko-KR" altLang="en-US"/>
+          </a:p>
+        </p:txBody>
+      </p:sp>
+      <p:sp>
+        <p:nvSpPr>
+          <p:cNvPr id="7" name="TextBox 6"/>
+          <p:cNvSpPr txBox="1"/>
+          <p:nvPr/>
+        </p:nvSpPr>
+        <p:spPr>
+          <a:xfrm>
+            <a:off x="6003879" y="1581209"/>
+            <a:ext cx="3512500" cy="369332"/>
+          </a:xfrm>
+          <a:prstGeom prst="rect">
+            <a:avLst/>
+          </a:prstGeom>
+          <a:noFill/>
+        </p:spPr>
+        <p:txBody>
+          <a:bodyPr wrap="none" rtlCol="0">
+            <a:spAutoFit/>
+          </a:bodyPr>
+          <a:lstStyle/>
+          <a:p>
+            <a:r>
+              <a:rPr lang="ko-KR" altLang="en-US" dirty="0" smtClean="0">
+                <a:latin typeface="+mn-ea"/>
+              </a:rPr>
+              <a:t>매 페이지 </a:t>
+            </a:r>
+            <a:r>
+              <a:rPr lang="ko-KR" altLang="en-US" smtClean="0">
+                <a:latin typeface="+mn-ea"/>
+              </a:rPr>
+              <a:t>마다 아이템을 불러옴</a:t>
+            </a:r>
+            <a:endParaRPr lang="ko-KR" altLang="en-US" dirty="0" smtClean="0">
+              <a:latin typeface="+mn-ea"/>
+            </a:endParaRPr>
+          </a:p>
+        </p:txBody>
+      </p:sp>
+      <p:sp>
+        <p:nvSpPr>
+          <p:cNvPr id="8" name="TextBox 7"/>
+          <p:cNvSpPr txBox="1"/>
+          <p:nvPr/>
+        </p:nvSpPr>
+        <p:spPr>
+          <a:xfrm>
+            <a:off x="4511824" y="2769399"/>
+            <a:ext cx="6066084" cy="646331"/>
+          </a:xfrm>
+          <a:prstGeom prst="rect">
+            <a:avLst/>
+          </a:prstGeom>
+          <a:noFill/>
+        </p:spPr>
+        <p:txBody>
+          <a:bodyPr wrap="none" rtlCol="0">
+            <a:spAutoFit/>
+          </a:bodyPr>
+          <a:lstStyle/>
+          <a:p>
+            <a:r>
+              <a:rPr lang="ko-KR" altLang="en-US" dirty="0" smtClean="0">
+                <a:latin typeface="+mn-ea"/>
+              </a:rPr>
+              <a:t>현재 읽고 있는 페이지의 번호가 마지막 페이지와 같다면</a:t>
+            </a:r>
+            <a:endParaRPr lang="en-US" altLang="ko-KR" dirty="0" smtClean="0">
+              <a:latin typeface="+mn-ea"/>
+            </a:endParaRPr>
+          </a:p>
+          <a:p>
+            <a:r>
+              <a:rPr lang="ko-KR" altLang="en-US" dirty="0" smtClean="0">
+                <a:latin typeface="+mn-ea"/>
+              </a:rPr>
+              <a:t>마지막 페이지의 항목 수를 구함</a:t>
+            </a:r>
+          </a:p>
+        </p:txBody>
+      </p:sp>
+      <p:sp>
+        <p:nvSpPr>
+          <p:cNvPr id="9" name="직사각형 8"/>
+          <p:cNvSpPr/>
+          <p:nvPr/>
+        </p:nvSpPr>
+        <p:spPr>
+          <a:xfrm>
+            <a:off x="983432" y="2636913"/>
+            <a:ext cx="3384376" cy="864096"/>
+          </a:xfrm>
+          <a:prstGeom prst="rect">
+            <a:avLst/>
+          </a:prstGeom>
+          <a:noFill/>
+          <a:ln w="25400">
+            <a:solidFill>
+              <a:srgbClr val="FF0000"/>
+            </a:solidFill>
+          </a:ln>
+        </p:spPr>
+        <p:style>
+          <a:lnRef idx="2">
+            <a:schemeClr val="accent1">
+              <a:shade val="50000"/>
+            </a:schemeClr>
+          </a:lnRef>
+          <a:fillRef idx="1">
+            <a:schemeClr val="accent1"/>
+          </a:fillRef>
+          <a:effectRef idx="0">
+            <a:schemeClr val="accent1"/>
+          </a:effectRef>
+          <a:fontRef idx="minor">
+            <a:schemeClr val="lt1"/>
+          </a:fontRef>
+        </p:style>
+        <p:txBody>
+          <a:bodyPr rtlCol="0" anchor="ctr"/>
+          <a:lstStyle/>
+          <a:p>
+            <a:pPr algn="ctr"/>
+            <a:endParaRPr lang="ko-KR" altLang="en-US"/>
+          </a:p>
+        </p:txBody>
+      </p:sp>
+      <p:sp>
+        <p:nvSpPr>
+          <p:cNvPr id="10" name="직사각형 9"/>
+          <p:cNvSpPr/>
+          <p:nvPr/>
+        </p:nvSpPr>
+        <p:spPr>
+          <a:xfrm>
+            <a:off x="985246" y="3717032"/>
+            <a:ext cx="4030633" cy="1872208"/>
+          </a:xfrm>
+          <a:prstGeom prst="rect">
+            <a:avLst/>
+          </a:prstGeom>
+          <a:noFill/>
+          <a:ln w="25400">
+            <a:solidFill>
+              <a:srgbClr val="FF0000"/>
+            </a:solidFill>
+          </a:ln>
+        </p:spPr>
+        <p:style>
+          <a:lnRef idx="2">
+            <a:schemeClr val="accent1">
+              <a:shade val="50000"/>
+            </a:schemeClr>
+          </a:lnRef>
+          <a:fillRef idx="1">
+            <a:schemeClr val="accent1"/>
+          </a:fillRef>
+          <a:effectRef idx="0">
+            <a:schemeClr val="accent1"/>
+          </a:effectRef>
+          <a:fontRef idx="minor">
+            <a:schemeClr val="lt1"/>
+          </a:fontRef>
+        </p:style>
+        <p:txBody>
+          <a:bodyPr rtlCol="0" anchor="ctr"/>
+          <a:lstStyle/>
+          <a:p>
+            <a:pPr algn="ctr"/>
+            <a:endParaRPr lang="ko-KR" altLang="en-US"/>
+          </a:p>
+        </p:txBody>
+      </p:sp>
+      <p:sp>
+        <p:nvSpPr>
+          <p:cNvPr id="11" name="직사각형 10"/>
+          <p:cNvSpPr/>
+          <p:nvPr/>
+        </p:nvSpPr>
+        <p:spPr>
+          <a:xfrm>
+            <a:off x="839416" y="6165304"/>
+            <a:ext cx="4536504" cy="374120"/>
+          </a:xfrm>
+          <a:prstGeom prst="rect">
+            <a:avLst/>
+          </a:prstGeom>
+          <a:noFill/>
+          <a:ln w="25400">
+            <a:solidFill>
+              <a:srgbClr val="FF0000"/>
+            </a:solidFill>
+          </a:ln>
+        </p:spPr>
+        <p:style>
+          <a:lnRef idx="2">
+            <a:schemeClr val="accent1">
+              <a:shade val="50000"/>
+            </a:schemeClr>
+          </a:lnRef>
+          <a:fillRef idx="1">
+            <a:schemeClr val="accent1"/>
+          </a:fillRef>
+          <a:effectRef idx="0">
+            <a:schemeClr val="accent1"/>
+          </a:effectRef>
+          <a:fontRef idx="minor">
+            <a:schemeClr val="lt1"/>
+          </a:fontRef>
+        </p:style>
+        <p:txBody>
+          <a:bodyPr rtlCol="0" anchor="ctr"/>
+          <a:lstStyle/>
+          <a:p>
+            <a:pPr algn="ctr"/>
+            <a:endParaRPr lang="ko-KR" altLang="en-US"/>
+          </a:p>
+        </p:txBody>
+      </p:sp>
+      <p:sp>
+        <p:nvSpPr>
+          <p:cNvPr id="12" name="TextBox 11"/>
+          <p:cNvSpPr txBox="1"/>
+          <p:nvPr/>
+        </p:nvSpPr>
+        <p:spPr>
+          <a:xfrm>
+            <a:off x="5223197" y="3911422"/>
+            <a:ext cx="6489427" cy="1200329"/>
+          </a:xfrm>
+          <a:prstGeom prst="rect">
+            <a:avLst/>
+          </a:prstGeom>
+          <a:noFill/>
+        </p:spPr>
+        <p:txBody>
+          <a:bodyPr wrap="square" rtlCol="0">
+            <a:spAutoFit/>
+          </a:bodyPr>
+          <a:lstStyle/>
+          <a:p>
+            <a:r>
+              <a:rPr lang="ko-KR" altLang="en-US" dirty="0" smtClean="0">
+                <a:latin typeface="+mn-ea"/>
+              </a:rPr>
+              <a:t>페이지 내의 항목 수 만큼 아이템</a:t>
+            </a:r>
+            <a:r>
+              <a:rPr lang="en-US" altLang="ko-KR" dirty="0" smtClean="0">
+                <a:latin typeface="+mn-ea"/>
+              </a:rPr>
+              <a:t>(body</a:t>
+            </a:r>
+            <a:r>
+              <a:rPr lang="ko-KR" altLang="en-US" dirty="0" smtClean="0">
+                <a:latin typeface="+mn-ea"/>
+              </a:rPr>
+              <a:t>태그 내의 </a:t>
+            </a:r>
+            <a:r>
+              <a:rPr lang="en-US" altLang="ko-KR" dirty="0" smtClean="0">
+                <a:latin typeface="+mn-ea"/>
+              </a:rPr>
+              <a:t>items</a:t>
+            </a:r>
+            <a:r>
+              <a:rPr lang="ko-KR" altLang="en-US" dirty="0" smtClean="0">
+                <a:latin typeface="+mn-ea"/>
+              </a:rPr>
+              <a:t>태그 내 정보</a:t>
+            </a:r>
+            <a:r>
+              <a:rPr lang="en-US" altLang="ko-KR" dirty="0" smtClean="0">
+                <a:latin typeface="+mn-ea"/>
+              </a:rPr>
+              <a:t>)</a:t>
+            </a:r>
+            <a:r>
+              <a:rPr lang="ko-KR" altLang="en-US" dirty="0" smtClean="0">
+                <a:latin typeface="+mn-ea"/>
+              </a:rPr>
+              <a:t>을 데이터 프레임형식으로 읽어 </a:t>
+            </a:r>
+            <a:r>
+              <a:rPr lang="en-US" altLang="ko-KR" dirty="0" smtClean="0">
+                <a:latin typeface="+mn-ea"/>
+              </a:rPr>
+              <a:t>ex</a:t>
+            </a:r>
+            <a:r>
+              <a:rPr lang="ko-KR" altLang="en-US" dirty="0" smtClean="0">
+                <a:latin typeface="+mn-ea"/>
+              </a:rPr>
+              <a:t>변수에 넣은 후</a:t>
+            </a:r>
+            <a:r>
+              <a:rPr lang="en-US" altLang="ko-KR" dirty="0" smtClean="0">
+                <a:latin typeface="+mn-ea"/>
+              </a:rPr>
+              <a:t>,</a:t>
+            </a:r>
+          </a:p>
+          <a:p>
+            <a:r>
+              <a:rPr lang="ko-KR" altLang="en-US" dirty="0" smtClean="0">
+                <a:latin typeface="+mn-ea"/>
+              </a:rPr>
+              <a:t>테이블이 비어있으면 테이블에 변수에 있던 값을 추가하고</a:t>
+            </a:r>
+            <a:endParaRPr lang="en-US" altLang="ko-KR" dirty="0" smtClean="0">
+              <a:latin typeface="+mn-ea"/>
+            </a:endParaRPr>
+          </a:p>
+          <a:p>
+            <a:r>
+              <a:rPr lang="ko-KR" altLang="en-US" dirty="0" smtClean="0">
+                <a:latin typeface="+mn-ea"/>
+              </a:rPr>
+              <a:t>비어있지 않으면 마지막 행의 다음부터 추가</a:t>
+            </a:r>
+          </a:p>
+        </p:txBody>
+      </p:sp>
+      <p:sp>
+        <p:nvSpPr>
+          <p:cNvPr id="13" name="TextBox 12"/>
+          <p:cNvSpPr txBox="1"/>
+          <p:nvPr/>
+        </p:nvSpPr>
+        <p:spPr>
+          <a:xfrm>
+            <a:off x="5591944" y="6029198"/>
+            <a:ext cx="5976664" cy="646331"/>
+          </a:xfrm>
+          <a:prstGeom prst="rect">
+            <a:avLst/>
+          </a:prstGeom>
+          <a:noFill/>
+        </p:spPr>
+        <p:txBody>
+          <a:bodyPr wrap="square" rtlCol="0">
+            <a:spAutoFit/>
+          </a:bodyPr>
+          <a:lstStyle/>
+          <a:p>
+            <a:r>
+              <a:rPr lang="ko-KR" altLang="en-US" dirty="0" smtClean="0">
+                <a:latin typeface="+mn-ea"/>
+              </a:rPr>
+              <a:t>각 병원을 </a:t>
+            </a:r>
+            <a:r>
+              <a:rPr lang="ko-KR" altLang="en-US" smtClean="0">
+                <a:latin typeface="+mn-ea"/>
+              </a:rPr>
+              <a:t>조회할 키 값으로 </a:t>
+            </a:r>
+            <a:r>
+              <a:rPr lang="ko-KR" altLang="en-US" dirty="0" smtClean="0">
+                <a:latin typeface="+mn-ea"/>
+              </a:rPr>
+              <a:t>사용될 암호화된 </a:t>
+            </a:r>
+            <a:r>
+              <a:rPr lang="ko-KR" altLang="en-US" smtClean="0">
+                <a:latin typeface="+mn-ea"/>
+              </a:rPr>
+              <a:t>요양기호 값을 따로 추출함</a:t>
+            </a:r>
+            <a:endParaRPr lang="ko-KR" altLang="en-US" dirty="0" smtClean="0">
+              <a:latin typeface="+mn-ea"/>
+            </a:endParaRPr>
+          </a:p>
+        </p:txBody>
+      </p:sp>
+      <p:sp>
+        <p:nvSpPr>
+          <p:cNvPr id="14" name="TextBox 13"/>
+          <p:cNvSpPr txBox="1"/>
+          <p:nvPr/>
+        </p:nvSpPr>
+        <p:spPr>
+          <a:xfrm>
+            <a:off x="357351" y="190705"/>
+            <a:ext cx="4785284" cy="707886"/>
+          </a:xfrm>
+          <a:prstGeom prst="rect">
+            <a:avLst/>
+          </a:prstGeom>
+          <a:noFill/>
+        </p:spPr>
+        <p:txBody>
+          <a:bodyPr wrap="none" rtlCol="0">
+            <a:spAutoFit/>
+          </a:bodyPr>
+          <a:lstStyle/>
+          <a:p>
+            <a:r>
+              <a:rPr lang="ko-KR" altLang="en-US" sz="4000" dirty="0" smtClean="0">
+                <a:latin typeface="+mn-ea"/>
+              </a:rPr>
+              <a:t>진행 상황 </a:t>
+            </a:r>
+            <a:r>
+              <a:rPr lang="en-US" altLang="ko-KR" sz="2000" dirty="0" smtClean="0">
+                <a:latin typeface="+mn-ea"/>
+              </a:rPr>
+              <a:t>-</a:t>
+            </a:r>
+            <a:r>
+              <a:rPr lang="ko-KR" altLang="en-US" sz="2000" dirty="0" smtClean="0">
+                <a:latin typeface="+mn-ea"/>
+              </a:rPr>
+              <a:t>병원정보 서비스</a:t>
+            </a:r>
+            <a:r>
+              <a:rPr lang="en-US" altLang="ko-KR" sz="2000" dirty="0" smtClean="0">
+                <a:latin typeface="+mn-ea"/>
+              </a:rPr>
+              <a:t>-</a:t>
+            </a:r>
+            <a:endParaRPr lang="ko-KR" altLang="en-US" sz="2000" dirty="0">
+              <a:latin typeface="+mn-ea"/>
+            </a:endParaRPr>
+          </a:p>
+        </p:txBody>
+      </p:sp>
     </p:spTree>
     <p:extLst>
       <p:ext uri="{BB962C8B-B14F-4D97-AF65-F5344CB8AC3E}">
-        <p14:creationId xmlns:p14="http://schemas.microsoft.com/office/powerpoint/2010/main" val="1504037518"/>
+        <p14:creationId xmlns:p14="http://schemas.microsoft.com/office/powerpoint/2010/main" val="3636713445"/>
       </p:ext>
     </p:extLst>
   </p:cSld>
